--- a/Programação em Par.pptx
+++ b/Programação em Par.pptx
@@ -9,8 +9,8 @@
   </p:notesMasterIdLst>
   <p:sldIdLst>
     <p:sldId id="256" r:id="rId5"/>
-    <p:sldId id="265" r:id="rId6"/>
-    <p:sldId id="274" r:id="rId7"/>
+    <p:sldId id="274" r:id="rId6"/>
+    <p:sldId id="265" r:id="rId7"/>
     <p:sldId id="266" r:id="rId8"/>
     <p:sldId id="268" r:id="rId9"/>
     <p:sldId id="258" r:id="rId10"/>
@@ -136,9 +136,7 @@
 <file path=ppt/revisionInfo.xml><?xml version="1.0" encoding="utf-8"?>
 <p1510:revInfo xmlns:a="http://schemas.openxmlformats.org/drawingml/2006/main" xmlns:r="http://schemas.openxmlformats.org/officeDocument/2006/relationships" xmlns:p1510="http://schemas.microsoft.com/office/powerpoint/2015/10/main">
   <p1510:revLst>
-    <p1510:client id="{660DAAB8-F614-4C30-AEC3-86792942570E}" v="21" dt="2021-03-20T21:39:50.875"/>
-    <p1510:client id="{6FFE24C6-2EA0-41A6-A092-DDB897214CE0}" v="58" dt="2021-03-21T20:36:09.663"/>
-    <p1510:client id="{B58E8FA0-E836-A4C4-7B3B-C8664FDC6D40}" v="3" dt="2021-03-20T21:15:07.634"/>
+    <p1510:client id="{6FFE24C6-2EA0-41A6-A092-DDB897214CE0}" v="97" dt="2021-03-21T21:44:44.620"/>
   </p1510:revLst>
 </p1510:revInfo>
 </file>
@@ -1932,8 +1930,8 @@
   </pc:docChgLst>
   <pc:docChgLst>
     <pc:chgData name="SERGIO DI FIORE" userId="65209d44-db5c-4a4d-b2bd-4db75d2582ef" providerId="ADAL" clId="{6FFE24C6-2EA0-41A6-A092-DDB897214CE0}"/>
-    <pc:docChg chg="undo custSel addSld delSld modSld">
-      <pc:chgData name="SERGIO DI FIORE" userId="65209d44-db5c-4a4d-b2bd-4db75d2582ef" providerId="ADAL" clId="{6FFE24C6-2EA0-41A6-A092-DDB897214CE0}" dt="2021-03-21T20:48:28.773" v="959" actId="20577"/>
+    <pc:docChg chg="undo custSel addSld delSld modSld sldOrd">
+      <pc:chgData name="SERGIO DI FIORE" userId="65209d44-db5c-4a4d-b2bd-4db75d2582ef" providerId="ADAL" clId="{6FFE24C6-2EA0-41A6-A092-DDB897214CE0}" dt="2021-03-21T21:44:44.620" v="1000"/>
       <pc:docMkLst>
         <pc:docMk/>
       </pc:docMkLst>
@@ -1945,7 +1943,7 @@
         </pc:sldMkLst>
       </pc:sldChg>
       <pc:sldChg chg="modSp mod modAnim modNotesTx">
-        <pc:chgData name="SERGIO DI FIORE" userId="65209d44-db5c-4a4d-b2bd-4db75d2582ef" providerId="ADAL" clId="{6FFE24C6-2EA0-41A6-A092-DDB897214CE0}" dt="2021-03-21T20:35:58.647" v="717" actId="20577"/>
+        <pc:chgData name="SERGIO DI FIORE" userId="65209d44-db5c-4a4d-b2bd-4db75d2582ef" providerId="ADAL" clId="{6FFE24C6-2EA0-41A6-A092-DDB897214CE0}" dt="2021-03-21T21:41:51.750" v="994"/>
         <pc:sldMkLst>
           <pc:docMk/>
           <pc:sldMk cId="2306155100" sldId="258"/>
@@ -1966,8 +1964,22 @@
           <pc:sldMk cId="1568345590" sldId="259"/>
         </pc:sldMkLst>
       </pc:sldChg>
-      <pc:sldChg chg="modSp mod modAnim modNotesTx">
-        <pc:chgData name="SERGIO DI FIORE" userId="65209d44-db5c-4a4d-b2bd-4db75d2582ef" providerId="ADAL" clId="{6FFE24C6-2EA0-41A6-A092-DDB897214CE0}" dt="2021-03-21T19:22:56.073" v="152"/>
+      <pc:sldChg chg="modAnim">
+        <pc:chgData name="SERGIO DI FIORE" userId="65209d44-db5c-4a4d-b2bd-4db75d2582ef" providerId="ADAL" clId="{6FFE24C6-2EA0-41A6-A092-DDB897214CE0}" dt="2021-03-21T21:38:59.110" v="986"/>
+        <pc:sldMkLst>
+          <pc:docMk/>
+          <pc:sldMk cId="2364790070" sldId="260"/>
+        </pc:sldMkLst>
+      </pc:sldChg>
+      <pc:sldChg chg="modAnim">
+        <pc:chgData name="SERGIO DI FIORE" userId="65209d44-db5c-4a4d-b2bd-4db75d2582ef" providerId="ADAL" clId="{6FFE24C6-2EA0-41A6-A092-DDB897214CE0}" dt="2021-03-21T21:43:54.365" v="998"/>
+        <pc:sldMkLst>
+          <pc:docMk/>
+          <pc:sldMk cId="2902785262" sldId="261"/>
+        </pc:sldMkLst>
+      </pc:sldChg>
+      <pc:sldChg chg="modSp mod ord modAnim modNotesTx">
+        <pc:chgData name="SERGIO DI FIORE" userId="65209d44-db5c-4a4d-b2bd-4db75d2582ef" providerId="ADAL" clId="{6FFE24C6-2EA0-41A6-A092-DDB897214CE0}" dt="2021-03-21T21:40:49.042" v="992"/>
         <pc:sldMkLst>
           <pc:docMk/>
           <pc:sldMk cId="181688273" sldId="265"/>
@@ -2004,7 +2016,7 @@
         </pc:spChg>
       </pc:sldChg>
       <pc:sldChg chg="modSp modAnim modNotesTx">
-        <pc:chgData name="SERGIO DI FIORE" userId="65209d44-db5c-4a4d-b2bd-4db75d2582ef" providerId="ADAL" clId="{6FFE24C6-2EA0-41A6-A092-DDB897214CE0}" dt="2021-03-21T20:36:09.663" v="725" actId="20577"/>
+        <pc:chgData name="SERGIO DI FIORE" userId="65209d44-db5c-4a4d-b2bd-4db75d2582ef" providerId="ADAL" clId="{6FFE24C6-2EA0-41A6-A092-DDB897214CE0}" dt="2021-03-21T21:42:05.987" v="995"/>
         <pc:sldMkLst>
           <pc:docMk/>
           <pc:sldMk cId="3415205423" sldId="269"/>
@@ -2103,6 +2115,20 @@
           </ac:picMkLst>
         </pc:picChg>
       </pc:sldChg>
+      <pc:sldChg chg="modAnim">
+        <pc:chgData name="SERGIO DI FIORE" userId="65209d44-db5c-4a4d-b2bd-4db75d2582ef" providerId="ADAL" clId="{6FFE24C6-2EA0-41A6-A092-DDB897214CE0}" dt="2021-03-21T21:44:44.620" v="1000"/>
+        <pc:sldMkLst>
+          <pc:docMk/>
+          <pc:sldMk cId="1711909461" sldId="279"/>
+        </pc:sldMkLst>
+      </pc:sldChg>
+      <pc:sldChg chg="modAnim">
+        <pc:chgData name="SERGIO DI FIORE" userId="65209d44-db5c-4a4d-b2bd-4db75d2582ef" providerId="ADAL" clId="{6FFE24C6-2EA0-41A6-A092-DDB897214CE0}" dt="2021-03-21T21:42:28.751" v="997"/>
+        <pc:sldMkLst>
+          <pc:docMk/>
+          <pc:sldMk cId="680915291" sldId="283"/>
+        </pc:sldMkLst>
+      </pc:sldChg>
       <pc:sldChg chg="del">
         <pc:chgData name="SERGIO DI FIORE" userId="65209d44-db5c-4a4d-b2bd-4db75d2582ef" providerId="ADAL" clId="{6FFE24C6-2EA0-41A6-A092-DDB897214CE0}" dt="2021-03-21T20:16:24.190" v="420" actId="47"/>
         <pc:sldMkLst>
@@ -2115,6 +2141,27 @@
         <pc:sldMkLst>
           <pc:docMk/>
           <pc:sldMk cId="837238513" sldId="285"/>
+        </pc:sldMkLst>
+      </pc:sldChg>
+      <pc:sldChg chg="modAnim">
+        <pc:chgData name="SERGIO DI FIORE" userId="65209d44-db5c-4a4d-b2bd-4db75d2582ef" providerId="ADAL" clId="{6FFE24C6-2EA0-41A6-A092-DDB897214CE0}" dt="2021-03-21T21:33:54.033" v="960"/>
+        <pc:sldMkLst>
+          <pc:docMk/>
+          <pc:sldMk cId="3128212591" sldId="286"/>
+        </pc:sldMkLst>
+      </pc:sldChg>
+      <pc:sldChg chg="modAnim">
+        <pc:chgData name="SERGIO DI FIORE" userId="65209d44-db5c-4a4d-b2bd-4db75d2582ef" providerId="ADAL" clId="{6FFE24C6-2EA0-41A6-A092-DDB897214CE0}" dt="2021-03-21T21:39:26.801" v="987"/>
+        <pc:sldMkLst>
+          <pc:docMk/>
+          <pc:sldMk cId="2920083623" sldId="287"/>
+        </pc:sldMkLst>
+      </pc:sldChg>
+      <pc:sldChg chg="modAnim">
+        <pc:chgData name="SERGIO DI FIORE" userId="65209d44-db5c-4a4d-b2bd-4db75d2582ef" providerId="ADAL" clId="{6FFE24C6-2EA0-41A6-A092-DDB897214CE0}" dt="2021-03-21T21:40:18.055" v="990"/>
+        <pc:sldMkLst>
+          <pc:docMk/>
+          <pc:sldMk cId="4058849206" sldId="288"/>
         </pc:sldMkLst>
       </pc:sldChg>
       <pc:sldChg chg="add del">
@@ -5234,37 +5281,65 @@
           <a:p>
             <a:r>
               <a:rPr lang="pt-BR" dirty="0"/>
-              <a:t>A programação em pares consiste em dois programadores que compartilham uma única estação de trabalho (uma tela, teclado e mouse para o par). </a:t>
+              <a:t>Ambos compartilham uma única estação de trabalho (uma tela, teclado e mouse para o par). </a:t>
             </a:r>
           </a:p>
           <a:p>
             <a:endParaRPr lang="en-US" dirty="0"/>
           </a:p>
           <a:p>
-            <a:pPr marL="171450" indent="-171450">
-              <a:buFont typeface="Arial" panose="020B0604020202020204" pitchFamily="34" charset="0"/>
-              <a:buChar char="•"/>
-            </a:pPr>
             <a:r>
               <a:rPr lang="pt-BR" dirty="0"/>
-              <a:t>O outro, também ativamente envolvido na tarefa de programação, mas focando mais na direção geral é o “navegador”; </a:t>
-            </a:r>
-          </a:p>
-          <a:p>
-            <a:pPr marL="0" indent="0">
-              <a:buFont typeface="Arial" panose="020B0604020202020204" pitchFamily="34" charset="0"/>
-              <a:buNone/>
-            </a:pPr>
+              <a:t>O programador, </a:t>
+            </a:r>
+            <a:r>
+              <a:rPr lang="pt-BR" b="1" dirty="0"/>
+              <a:t>no teclado</a:t>
+            </a:r>
+            <a:r>
+              <a:rPr lang="pt-BR" dirty="0"/>
+              <a:t>,  é geralmente chamado de “</a:t>
+            </a:r>
+            <a:r>
+              <a:rPr lang="pt-BR" b="1" dirty="0"/>
+              <a:t>piloto</a:t>
+            </a:r>
+            <a:r>
+              <a:rPr lang="pt-BR" dirty="0"/>
+              <a:t>”, </a:t>
+            </a:r>
+            <a:r>
+              <a:rPr lang="pt-BR" b="1" dirty="0"/>
+              <a:t>o outro</a:t>
+            </a:r>
+            <a:r>
+              <a:rPr lang="pt-BR" dirty="0"/>
+              <a:t>, também ativamente envolvido na tarefa de programação, mas </a:t>
+            </a:r>
+            <a:r>
+              <a:rPr lang="pt-BR" b="1" dirty="0"/>
+              <a:t>focando mais no andamento geral </a:t>
+            </a:r>
+            <a:r>
+              <a:rPr lang="pt-BR" dirty="0"/>
+              <a:t>é o “</a:t>
+            </a:r>
+            <a:r>
+              <a:rPr lang="pt-BR" b="1" dirty="0"/>
+              <a:t>copiloto</a:t>
+            </a:r>
+            <a:r>
+              <a:rPr lang="pt-BR" dirty="0"/>
+              <a:t>”;</a:t>
+            </a:r>
+          </a:p>
+          <a:p>
             <a:endParaRPr lang="pt-BR" dirty="0"/>
           </a:p>
           <a:p>
-            <a:pPr marL="171450" indent="-171450">
-              <a:buFont typeface="Arial" panose="020B0604020202020204" pitchFamily="34" charset="0"/>
-              <a:buChar char="•"/>
-            </a:pPr>
             <a:r>
               <a:rPr lang="pt-BR" dirty="0"/>
-              <a:t>espera-se que os programadores troquem de funções a cada poucos minutos ou assim.</a:t>
+              <a:t>Espera-se que troquem de funções a cada poucos minutos ou assim.</a:t>
             </a:r>
             <a:endParaRPr lang="en-US" dirty="0">
               <a:cs typeface="Calibri"/>
@@ -5298,7 +5373,7 @@
     </p:spTree>
     <p:extLst>
       <p:ext uri="{BB962C8B-B14F-4D97-AF65-F5344CB8AC3E}">
-        <p14:creationId xmlns:p14="http://schemas.microsoft.com/office/powerpoint/2010/main" val="2470694599"/>
+        <p14:creationId xmlns:p14="http://schemas.microsoft.com/office/powerpoint/2010/main" val="1614283955"/>
       </p:ext>
     </p:extLst>
   </p:cSld>
@@ -5354,65 +5429,37 @@
           <a:p>
             <a:r>
               <a:rPr lang="pt-BR" dirty="0"/>
-              <a:t>Ambos compartilham uma única estação de trabalho (uma tela, teclado e mouse para o par). </a:t>
+              <a:t>A programação em pares consiste em dois programadores que compartilham uma única estação de trabalho (uma tela, teclado e mouse para o par). </a:t>
             </a:r>
           </a:p>
           <a:p>
             <a:endParaRPr lang="en-US" dirty="0"/>
           </a:p>
           <a:p>
+            <a:pPr marL="171450" indent="-171450">
+              <a:buFont typeface="Arial" panose="020B0604020202020204" pitchFamily="34" charset="0"/>
+              <a:buChar char="•"/>
+            </a:pPr>
             <a:r>
               <a:rPr lang="pt-BR" dirty="0"/>
-              <a:t>O programador, </a:t>
-            </a:r>
-            <a:r>
-              <a:rPr lang="pt-BR" b="1" dirty="0"/>
-              <a:t>no teclado</a:t>
-            </a:r>
+              <a:t>O outro, também ativamente envolvido na tarefa de programação, mas focando mais na direção geral é o “navegador”; </a:t>
+            </a:r>
+          </a:p>
+          <a:p>
+            <a:pPr marL="0" indent="0">
+              <a:buFont typeface="Arial" panose="020B0604020202020204" pitchFamily="34" charset="0"/>
+              <a:buNone/>
+            </a:pPr>
+            <a:endParaRPr lang="pt-BR" dirty="0"/>
+          </a:p>
+          <a:p>
+            <a:pPr marL="171450" indent="-171450">
+              <a:buFont typeface="Arial" panose="020B0604020202020204" pitchFamily="34" charset="0"/>
+              <a:buChar char="•"/>
+            </a:pPr>
             <a:r>
               <a:rPr lang="pt-BR" dirty="0"/>
-              <a:t>,  é geralmente chamado de “</a:t>
-            </a:r>
-            <a:r>
-              <a:rPr lang="pt-BR" b="1" dirty="0"/>
-              <a:t>piloto</a:t>
-            </a:r>
-            <a:r>
-              <a:rPr lang="pt-BR" dirty="0"/>
-              <a:t>”, </a:t>
-            </a:r>
-            <a:r>
-              <a:rPr lang="pt-BR" b="1" dirty="0"/>
-              <a:t>o outro</a:t>
-            </a:r>
-            <a:r>
-              <a:rPr lang="pt-BR" dirty="0"/>
-              <a:t>, também ativamente envolvido na tarefa de programação, mas </a:t>
-            </a:r>
-            <a:r>
-              <a:rPr lang="pt-BR" b="1" dirty="0"/>
-              <a:t>focando mais no andamento geral </a:t>
-            </a:r>
-            <a:r>
-              <a:rPr lang="pt-BR" dirty="0"/>
-              <a:t>é o “</a:t>
-            </a:r>
-            <a:r>
-              <a:rPr lang="pt-BR" b="1" dirty="0"/>
-              <a:t>copiloto</a:t>
-            </a:r>
-            <a:r>
-              <a:rPr lang="pt-BR" dirty="0"/>
-              <a:t>”;</a:t>
-            </a:r>
-          </a:p>
-          <a:p>
-            <a:endParaRPr lang="pt-BR" dirty="0"/>
-          </a:p>
-          <a:p>
-            <a:r>
-              <a:rPr lang="pt-BR" dirty="0"/>
-              <a:t>Espera-se que troquem de funções a cada poucos minutos ou assim.</a:t>
+              <a:t>espera-se que os programadores troquem de funções a cada poucos minutos ou assim.</a:t>
             </a:r>
             <a:endParaRPr lang="en-US" dirty="0">
               <a:cs typeface="Calibri"/>
@@ -5446,7 +5493,7 @@
     </p:spTree>
     <p:extLst>
       <p:ext uri="{BB962C8B-B14F-4D97-AF65-F5344CB8AC3E}">
-        <p14:creationId xmlns:p14="http://schemas.microsoft.com/office/powerpoint/2010/main" val="1614283955"/>
+        <p14:creationId xmlns:p14="http://schemas.microsoft.com/office/powerpoint/2010/main" val="2470694599"/>
       </p:ext>
     </p:extLst>
   </p:cSld>
@@ -15773,14 +15820,14 @@
               </a:lnSpc>
             </a:pPr>
             <a:r>
-              <a:rPr lang="pt-BR" sz="3000" err="1">
+              <a:rPr lang="pt-BR" sz="3000" dirty="0" err="1">
                 <a:ea typeface="+mn-lt"/>
                 <a:cs typeface="+mn-lt"/>
               </a:rPr>
               <a:t>Ping</a:t>
             </a:r>
             <a:r>
-              <a:rPr lang="pt-BR" sz="3000">
+              <a:rPr lang="pt-BR" sz="3000" dirty="0">
                 <a:ea typeface="+mn-lt"/>
                 <a:cs typeface="+mn-lt"/>
               </a:rPr>
@@ -15794,7 +15841,7 @@
               </a:lnSpc>
             </a:pPr>
             <a:r>
-              <a:rPr lang="pt-BR" sz="3000">
+              <a:rPr lang="pt-BR" sz="3000" dirty="0">
                 <a:ea typeface="+mn-lt"/>
                 <a:cs typeface="+mn-lt"/>
               </a:rPr>
@@ -15808,14 +15855,14 @@
               </a:lnSpc>
             </a:pPr>
             <a:r>
-              <a:rPr lang="pt-BR" sz="3000" err="1">
+              <a:rPr lang="pt-BR" sz="3000" dirty="0" err="1">
                 <a:ea typeface="+mn-lt"/>
                 <a:cs typeface="+mn-lt"/>
               </a:rPr>
               <a:t>Pong</a:t>
             </a:r>
             <a:r>
-              <a:rPr lang="pt-BR" sz="3000">
+              <a:rPr lang="pt-BR" sz="3000" dirty="0">
                 <a:ea typeface="+mn-lt"/>
                 <a:cs typeface="+mn-lt"/>
               </a:rPr>
@@ -15829,7 +15876,7 @@
               </a:lnSpc>
             </a:pPr>
             <a:r>
-              <a:rPr lang="pt-BR" sz="3000">
+              <a:rPr lang="pt-BR" sz="3000" dirty="0">
                 <a:ea typeface="+mn-lt"/>
                 <a:cs typeface="+mn-lt"/>
               </a:rPr>
@@ -15848,6 +15895,415 @@
   <p:clrMapOvr>
     <a:masterClrMapping/>
   </p:clrMapOvr>
+  <p:timing>
+    <p:tnLst>
+      <p:par>
+        <p:cTn id="1" dur="indefinite" restart="never" nodeType="tmRoot">
+          <p:childTnLst>
+            <p:seq concurrent="1" nextAc="seek">
+              <p:cTn id="2" dur="indefinite" nodeType="mainSeq">
+                <p:childTnLst>
+                  <p:par>
+                    <p:cTn id="3" fill="hold">
+                      <p:stCondLst>
+                        <p:cond delay="indefinite"/>
+                      </p:stCondLst>
+                      <p:childTnLst>
+                        <p:par>
+                          <p:cTn id="4" fill="hold">
+                            <p:stCondLst>
+                              <p:cond delay="0"/>
+                            </p:stCondLst>
+                            <p:childTnLst>
+                              <p:par>
+                                <p:cTn id="5" presetID="2" presetClass="entr" presetSubtype="4" fill="hold" grpId="0" nodeType="clickEffect">
+                                  <p:stCondLst>
+                                    <p:cond delay="0"/>
+                                  </p:stCondLst>
+                                  <p:childTnLst>
+                                    <p:set>
+                                      <p:cBhvr>
+                                        <p:cTn id="6" dur="1" fill="hold">
+                                          <p:stCondLst>
+                                            <p:cond delay="0"/>
+                                          </p:stCondLst>
+                                        </p:cTn>
+                                        <p:tgtEl>
+                                          <p:spTgt spid="5">
+                                            <p:txEl>
+                                              <p:pRg st="0" end="0"/>
+                                            </p:txEl>
+                                          </p:spTgt>
+                                        </p:tgtEl>
+                                        <p:attrNameLst>
+                                          <p:attrName>style.visibility</p:attrName>
+                                        </p:attrNameLst>
+                                      </p:cBhvr>
+                                      <p:to>
+                                        <p:strVal val="visible"/>
+                                      </p:to>
+                                    </p:set>
+                                    <p:anim calcmode="lin" valueType="num">
+                                      <p:cBhvr additive="base">
+                                        <p:cTn id="7" dur="500" fill="hold"/>
+                                        <p:tgtEl>
+                                          <p:spTgt spid="5">
+                                            <p:txEl>
+                                              <p:pRg st="0" end="0"/>
+                                            </p:txEl>
+                                          </p:spTgt>
+                                        </p:tgtEl>
+                                        <p:attrNameLst>
+                                          <p:attrName>ppt_x</p:attrName>
+                                        </p:attrNameLst>
+                                      </p:cBhvr>
+                                      <p:tavLst>
+                                        <p:tav tm="0">
+                                          <p:val>
+                                            <p:strVal val="#ppt_x"/>
+                                          </p:val>
+                                        </p:tav>
+                                        <p:tav tm="100000">
+                                          <p:val>
+                                            <p:strVal val="#ppt_x"/>
+                                          </p:val>
+                                        </p:tav>
+                                      </p:tavLst>
+                                    </p:anim>
+                                    <p:anim calcmode="lin" valueType="num">
+                                      <p:cBhvr additive="base">
+                                        <p:cTn id="8" dur="500" fill="hold"/>
+                                        <p:tgtEl>
+                                          <p:spTgt spid="5">
+                                            <p:txEl>
+                                              <p:pRg st="0" end="0"/>
+                                            </p:txEl>
+                                          </p:spTgt>
+                                        </p:tgtEl>
+                                        <p:attrNameLst>
+                                          <p:attrName>ppt_y</p:attrName>
+                                        </p:attrNameLst>
+                                      </p:cBhvr>
+                                      <p:tavLst>
+                                        <p:tav tm="0">
+                                          <p:val>
+                                            <p:strVal val="1+#ppt_h/2"/>
+                                          </p:val>
+                                        </p:tav>
+                                        <p:tav tm="100000">
+                                          <p:val>
+                                            <p:strVal val="#ppt_y"/>
+                                          </p:val>
+                                        </p:tav>
+                                      </p:tavLst>
+                                    </p:anim>
+                                  </p:childTnLst>
+                                </p:cTn>
+                              </p:par>
+                              <p:par>
+                                <p:cTn id="9" presetID="2" presetClass="entr" presetSubtype="4" fill="hold" grpId="0" nodeType="withEffect">
+                                  <p:stCondLst>
+                                    <p:cond delay="0"/>
+                                  </p:stCondLst>
+                                  <p:childTnLst>
+                                    <p:set>
+                                      <p:cBhvr>
+                                        <p:cTn id="10" dur="1" fill="hold">
+                                          <p:stCondLst>
+                                            <p:cond delay="0"/>
+                                          </p:stCondLst>
+                                        </p:cTn>
+                                        <p:tgtEl>
+                                          <p:spTgt spid="5">
+                                            <p:txEl>
+                                              <p:pRg st="1" end="1"/>
+                                            </p:txEl>
+                                          </p:spTgt>
+                                        </p:tgtEl>
+                                        <p:attrNameLst>
+                                          <p:attrName>style.visibility</p:attrName>
+                                        </p:attrNameLst>
+                                      </p:cBhvr>
+                                      <p:to>
+                                        <p:strVal val="visible"/>
+                                      </p:to>
+                                    </p:set>
+                                    <p:anim calcmode="lin" valueType="num">
+                                      <p:cBhvr additive="base">
+                                        <p:cTn id="11" dur="500" fill="hold"/>
+                                        <p:tgtEl>
+                                          <p:spTgt spid="5">
+                                            <p:txEl>
+                                              <p:pRg st="1" end="1"/>
+                                            </p:txEl>
+                                          </p:spTgt>
+                                        </p:tgtEl>
+                                        <p:attrNameLst>
+                                          <p:attrName>ppt_x</p:attrName>
+                                        </p:attrNameLst>
+                                      </p:cBhvr>
+                                      <p:tavLst>
+                                        <p:tav tm="0">
+                                          <p:val>
+                                            <p:strVal val="#ppt_x"/>
+                                          </p:val>
+                                        </p:tav>
+                                        <p:tav tm="100000">
+                                          <p:val>
+                                            <p:strVal val="#ppt_x"/>
+                                          </p:val>
+                                        </p:tav>
+                                      </p:tavLst>
+                                    </p:anim>
+                                    <p:anim calcmode="lin" valueType="num">
+                                      <p:cBhvr additive="base">
+                                        <p:cTn id="12" dur="500" fill="hold"/>
+                                        <p:tgtEl>
+                                          <p:spTgt spid="5">
+                                            <p:txEl>
+                                              <p:pRg st="1" end="1"/>
+                                            </p:txEl>
+                                          </p:spTgt>
+                                        </p:tgtEl>
+                                        <p:attrNameLst>
+                                          <p:attrName>ppt_y</p:attrName>
+                                        </p:attrNameLst>
+                                      </p:cBhvr>
+                                      <p:tavLst>
+                                        <p:tav tm="0">
+                                          <p:val>
+                                            <p:strVal val="1+#ppt_h/2"/>
+                                          </p:val>
+                                        </p:tav>
+                                        <p:tav tm="100000">
+                                          <p:val>
+                                            <p:strVal val="#ppt_y"/>
+                                          </p:val>
+                                        </p:tav>
+                                      </p:tavLst>
+                                    </p:anim>
+                                  </p:childTnLst>
+                                </p:cTn>
+                              </p:par>
+                            </p:childTnLst>
+                          </p:cTn>
+                        </p:par>
+                      </p:childTnLst>
+                    </p:cTn>
+                  </p:par>
+                  <p:par>
+                    <p:cTn id="13" fill="hold">
+                      <p:stCondLst>
+                        <p:cond delay="indefinite"/>
+                      </p:stCondLst>
+                      <p:childTnLst>
+                        <p:par>
+                          <p:cTn id="14" fill="hold">
+                            <p:stCondLst>
+                              <p:cond delay="0"/>
+                            </p:stCondLst>
+                            <p:childTnLst>
+                              <p:par>
+                                <p:cTn id="15" presetID="2" presetClass="entr" presetSubtype="4" fill="hold" grpId="0" nodeType="clickEffect">
+                                  <p:stCondLst>
+                                    <p:cond delay="0"/>
+                                  </p:stCondLst>
+                                  <p:childTnLst>
+                                    <p:set>
+                                      <p:cBhvr>
+                                        <p:cTn id="16" dur="1" fill="hold">
+                                          <p:stCondLst>
+                                            <p:cond delay="0"/>
+                                          </p:stCondLst>
+                                        </p:cTn>
+                                        <p:tgtEl>
+                                          <p:spTgt spid="5">
+                                            <p:txEl>
+                                              <p:pRg st="2" end="2"/>
+                                            </p:txEl>
+                                          </p:spTgt>
+                                        </p:tgtEl>
+                                        <p:attrNameLst>
+                                          <p:attrName>style.visibility</p:attrName>
+                                        </p:attrNameLst>
+                                      </p:cBhvr>
+                                      <p:to>
+                                        <p:strVal val="visible"/>
+                                      </p:to>
+                                    </p:set>
+                                    <p:anim calcmode="lin" valueType="num">
+                                      <p:cBhvr additive="base">
+                                        <p:cTn id="17" dur="500" fill="hold"/>
+                                        <p:tgtEl>
+                                          <p:spTgt spid="5">
+                                            <p:txEl>
+                                              <p:pRg st="2" end="2"/>
+                                            </p:txEl>
+                                          </p:spTgt>
+                                        </p:tgtEl>
+                                        <p:attrNameLst>
+                                          <p:attrName>ppt_x</p:attrName>
+                                        </p:attrNameLst>
+                                      </p:cBhvr>
+                                      <p:tavLst>
+                                        <p:tav tm="0">
+                                          <p:val>
+                                            <p:strVal val="#ppt_x"/>
+                                          </p:val>
+                                        </p:tav>
+                                        <p:tav tm="100000">
+                                          <p:val>
+                                            <p:strVal val="#ppt_x"/>
+                                          </p:val>
+                                        </p:tav>
+                                      </p:tavLst>
+                                    </p:anim>
+                                    <p:anim calcmode="lin" valueType="num">
+                                      <p:cBhvr additive="base">
+                                        <p:cTn id="18" dur="500" fill="hold"/>
+                                        <p:tgtEl>
+                                          <p:spTgt spid="5">
+                                            <p:txEl>
+                                              <p:pRg st="2" end="2"/>
+                                            </p:txEl>
+                                          </p:spTgt>
+                                        </p:tgtEl>
+                                        <p:attrNameLst>
+                                          <p:attrName>ppt_y</p:attrName>
+                                        </p:attrNameLst>
+                                      </p:cBhvr>
+                                      <p:tavLst>
+                                        <p:tav tm="0">
+                                          <p:val>
+                                            <p:strVal val="1+#ppt_h/2"/>
+                                          </p:val>
+                                        </p:tav>
+                                        <p:tav tm="100000">
+                                          <p:val>
+                                            <p:strVal val="#ppt_y"/>
+                                          </p:val>
+                                        </p:tav>
+                                      </p:tavLst>
+                                    </p:anim>
+                                  </p:childTnLst>
+                                </p:cTn>
+                              </p:par>
+                              <p:par>
+                                <p:cTn id="19" presetID="2" presetClass="entr" presetSubtype="4" fill="hold" grpId="0" nodeType="withEffect">
+                                  <p:stCondLst>
+                                    <p:cond delay="0"/>
+                                  </p:stCondLst>
+                                  <p:childTnLst>
+                                    <p:set>
+                                      <p:cBhvr>
+                                        <p:cTn id="20" dur="1" fill="hold">
+                                          <p:stCondLst>
+                                            <p:cond delay="0"/>
+                                          </p:stCondLst>
+                                        </p:cTn>
+                                        <p:tgtEl>
+                                          <p:spTgt spid="5">
+                                            <p:txEl>
+                                              <p:pRg st="3" end="3"/>
+                                            </p:txEl>
+                                          </p:spTgt>
+                                        </p:tgtEl>
+                                        <p:attrNameLst>
+                                          <p:attrName>style.visibility</p:attrName>
+                                        </p:attrNameLst>
+                                      </p:cBhvr>
+                                      <p:to>
+                                        <p:strVal val="visible"/>
+                                      </p:to>
+                                    </p:set>
+                                    <p:anim calcmode="lin" valueType="num">
+                                      <p:cBhvr additive="base">
+                                        <p:cTn id="21" dur="500" fill="hold"/>
+                                        <p:tgtEl>
+                                          <p:spTgt spid="5">
+                                            <p:txEl>
+                                              <p:pRg st="3" end="3"/>
+                                            </p:txEl>
+                                          </p:spTgt>
+                                        </p:tgtEl>
+                                        <p:attrNameLst>
+                                          <p:attrName>ppt_x</p:attrName>
+                                        </p:attrNameLst>
+                                      </p:cBhvr>
+                                      <p:tavLst>
+                                        <p:tav tm="0">
+                                          <p:val>
+                                            <p:strVal val="#ppt_x"/>
+                                          </p:val>
+                                        </p:tav>
+                                        <p:tav tm="100000">
+                                          <p:val>
+                                            <p:strVal val="#ppt_x"/>
+                                          </p:val>
+                                        </p:tav>
+                                      </p:tavLst>
+                                    </p:anim>
+                                    <p:anim calcmode="lin" valueType="num">
+                                      <p:cBhvr additive="base">
+                                        <p:cTn id="22" dur="500" fill="hold"/>
+                                        <p:tgtEl>
+                                          <p:spTgt spid="5">
+                                            <p:txEl>
+                                              <p:pRg st="3" end="3"/>
+                                            </p:txEl>
+                                          </p:spTgt>
+                                        </p:tgtEl>
+                                        <p:attrNameLst>
+                                          <p:attrName>ppt_y</p:attrName>
+                                        </p:attrNameLst>
+                                      </p:cBhvr>
+                                      <p:tavLst>
+                                        <p:tav tm="0">
+                                          <p:val>
+                                            <p:strVal val="1+#ppt_h/2"/>
+                                          </p:val>
+                                        </p:tav>
+                                        <p:tav tm="100000">
+                                          <p:val>
+                                            <p:strVal val="#ppt_y"/>
+                                          </p:val>
+                                        </p:tav>
+                                      </p:tavLst>
+                                    </p:anim>
+                                  </p:childTnLst>
+                                </p:cTn>
+                              </p:par>
+                            </p:childTnLst>
+                          </p:cTn>
+                        </p:par>
+                      </p:childTnLst>
+                    </p:cTn>
+                  </p:par>
+                </p:childTnLst>
+              </p:cTn>
+              <p:prevCondLst>
+                <p:cond evt="onPrev" delay="0">
+                  <p:tgtEl>
+                    <p:sldTgt/>
+                  </p:tgtEl>
+                </p:cond>
+              </p:prevCondLst>
+              <p:nextCondLst>
+                <p:cond evt="onNext" delay="0">
+                  <p:tgtEl>
+                    <p:sldTgt/>
+                  </p:tgtEl>
+                </p:cond>
+              </p:nextCondLst>
+            </p:seq>
+          </p:childTnLst>
+        </p:cTn>
+      </p:par>
+    </p:tnLst>
+    <p:bldLst>
+      <p:bldP spid="5" grpId="0" build="p"/>
+    </p:bldLst>
+  </p:timing>
 </p:sld>
 </file>
 
@@ -16233,7 +16689,7 @@
               <a:buSzPct val="130000"/>
             </a:pPr>
             <a:r>
-              <a:rPr lang="pt-BR" sz="3000">
+              <a:rPr lang="pt-BR" sz="3000" dirty="0">
                 <a:solidFill>
                   <a:schemeClr val="bg2">
                     <a:lumMod val="50000"/>
@@ -16255,7 +16711,7 @@
               <a:buSzPct val="130000"/>
             </a:pPr>
             <a:r>
-              <a:rPr lang="pt-BR" sz="3000">
+              <a:rPr lang="pt-BR" sz="3000" dirty="0">
                 <a:solidFill>
                   <a:schemeClr val="bg2">
                     <a:lumMod val="50000"/>
@@ -16277,7 +16733,7 @@
               <a:buSzPct val="130000"/>
             </a:pPr>
             <a:r>
-              <a:rPr lang="pt-BR" sz="3000">
+              <a:rPr lang="pt-BR" sz="3000" dirty="0">
                 <a:solidFill>
                   <a:schemeClr val="bg2">
                     <a:lumMod val="50000"/>
@@ -16299,7 +16755,7 @@
               <a:buSzPct val="130000"/>
             </a:pPr>
             <a:r>
-              <a:rPr lang="pt-BR" sz="3000">
+              <a:rPr lang="pt-BR" sz="3000" dirty="0">
                 <a:solidFill>
                   <a:schemeClr val="bg2">
                     <a:lumMod val="50000"/>
@@ -16316,7 +16772,7 @@
                 <a:spcPct val="150000"/>
               </a:lnSpc>
             </a:pPr>
-            <a:endParaRPr lang="pt-BR" sz="3000">
+            <a:endParaRPr lang="pt-BR" sz="3000" dirty="0">
               <a:solidFill>
                 <a:schemeClr val="bg2">
                   <a:lumMod val="50000"/>
@@ -16337,6 +16793,451 @@
   <p:clrMapOvr>
     <a:masterClrMapping/>
   </p:clrMapOvr>
+  <p:timing>
+    <p:tnLst>
+      <p:par>
+        <p:cTn id="1" dur="indefinite" restart="never" nodeType="tmRoot">
+          <p:childTnLst>
+            <p:seq concurrent="1" nextAc="seek">
+              <p:cTn id="2" dur="indefinite" nodeType="mainSeq">
+                <p:childTnLst>
+                  <p:par>
+                    <p:cTn id="3" fill="hold">
+                      <p:stCondLst>
+                        <p:cond delay="indefinite"/>
+                      </p:stCondLst>
+                      <p:childTnLst>
+                        <p:par>
+                          <p:cTn id="4" fill="hold">
+                            <p:stCondLst>
+                              <p:cond delay="0"/>
+                            </p:stCondLst>
+                            <p:childTnLst>
+                              <p:par>
+                                <p:cTn id="5" presetID="2" presetClass="entr" presetSubtype="4" fill="hold" grpId="0" nodeType="clickEffect">
+                                  <p:stCondLst>
+                                    <p:cond delay="0"/>
+                                  </p:stCondLst>
+                                  <p:childTnLst>
+                                    <p:set>
+                                      <p:cBhvr>
+                                        <p:cTn id="6" dur="1" fill="hold">
+                                          <p:stCondLst>
+                                            <p:cond delay="0"/>
+                                          </p:stCondLst>
+                                        </p:cTn>
+                                        <p:tgtEl>
+                                          <p:spTgt spid="8">
+                                            <p:txEl>
+                                              <p:pRg st="0" end="0"/>
+                                            </p:txEl>
+                                          </p:spTgt>
+                                        </p:tgtEl>
+                                        <p:attrNameLst>
+                                          <p:attrName>style.visibility</p:attrName>
+                                        </p:attrNameLst>
+                                      </p:cBhvr>
+                                      <p:to>
+                                        <p:strVal val="visible"/>
+                                      </p:to>
+                                    </p:set>
+                                    <p:anim calcmode="lin" valueType="num">
+                                      <p:cBhvr additive="base">
+                                        <p:cTn id="7" dur="500" fill="hold"/>
+                                        <p:tgtEl>
+                                          <p:spTgt spid="8">
+                                            <p:txEl>
+                                              <p:pRg st="0" end="0"/>
+                                            </p:txEl>
+                                          </p:spTgt>
+                                        </p:tgtEl>
+                                        <p:attrNameLst>
+                                          <p:attrName>ppt_x</p:attrName>
+                                        </p:attrNameLst>
+                                      </p:cBhvr>
+                                      <p:tavLst>
+                                        <p:tav tm="0">
+                                          <p:val>
+                                            <p:strVal val="#ppt_x"/>
+                                          </p:val>
+                                        </p:tav>
+                                        <p:tav tm="100000">
+                                          <p:val>
+                                            <p:strVal val="#ppt_x"/>
+                                          </p:val>
+                                        </p:tav>
+                                      </p:tavLst>
+                                    </p:anim>
+                                    <p:anim calcmode="lin" valueType="num">
+                                      <p:cBhvr additive="base">
+                                        <p:cTn id="8" dur="500" fill="hold"/>
+                                        <p:tgtEl>
+                                          <p:spTgt spid="8">
+                                            <p:txEl>
+                                              <p:pRg st="0" end="0"/>
+                                            </p:txEl>
+                                          </p:spTgt>
+                                        </p:tgtEl>
+                                        <p:attrNameLst>
+                                          <p:attrName>ppt_y</p:attrName>
+                                        </p:attrNameLst>
+                                      </p:cBhvr>
+                                      <p:tavLst>
+                                        <p:tav tm="0">
+                                          <p:val>
+                                            <p:strVal val="1+#ppt_h/2"/>
+                                          </p:val>
+                                        </p:tav>
+                                        <p:tav tm="100000">
+                                          <p:val>
+                                            <p:strVal val="#ppt_y"/>
+                                          </p:val>
+                                        </p:tav>
+                                      </p:tavLst>
+                                    </p:anim>
+                                  </p:childTnLst>
+                                </p:cTn>
+                              </p:par>
+                            </p:childTnLst>
+                          </p:cTn>
+                        </p:par>
+                      </p:childTnLst>
+                    </p:cTn>
+                  </p:par>
+                  <p:par>
+                    <p:cTn id="9" fill="hold">
+                      <p:stCondLst>
+                        <p:cond delay="indefinite"/>
+                      </p:stCondLst>
+                      <p:childTnLst>
+                        <p:par>
+                          <p:cTn id="10" fill="hold">
+                            <p:stCondLst>
+                              <p:cond delay="0"/>
+                            </p:stCondLst>
+                            <p:childTnLst>
+                              <p:par>
+                                <p:cTn id="11" presetID="2" presetClass="entr" presetSubtype="4" fill="hold" grpId="0" nodeType="clickEffect">
+                                  <p:stCondLst>
+                                    <p:cond delay="0"/>
+                                  </p:stCondLst>
+                                  <p:childTnLst>
+                                    <p:set>
+                                      <p:cBhvr>
+                                        <p:cTn id="12" dur="1" fill="hold">
+                                          <p:stCondLst>
+                                            <p:cond delay="0"/>
+                                          </p:stCondLst>
+                                        </p:cTn>
+                                        <p:tgtEl>
+                                          <p:spTgt spid="8">
+                                            <p:txEl>
+                                              <p:pRg st="1" end="1"/>
+                                            </p:txEl>
+                                          </p:spTgt>
+                                        </p:tgtEl>
+                                        <p:attrNameLst>
+                                          <p:attrName>style.visibility</p:attrName>
+                                        </p:attrNameLst>
+                                      </p:cBhvr>
+                                      <p:to>
+                                        <p:strVal val="visible"/>
+                                      </p:to>
+                                    </p:set>
+                                    <p:anim calcmode="lin" valueType="num">
+                                      <p:cBhvr additive="base">
+                                        <p:cTn id="13" dur="500" fill="hold"/>
+                                        <p:tgtEl>
+                                          <p:spTgt spid="8">
+                                            <p:txEl>
+                                              <p:pRg st="1" end="1"/>
+                                            </p:txEl>
+                                          </p:spTgt>
+                                        </p:tgtEl>
+                                        <p:attrNameLst>
+                                          <p:attrName>ppt_x</p:attrName>
+                                        </p:attrNameLst>
+                                      </p:cBhvr>
+                                      <p:tavLst>
+                                        <p:tav tm="0">
+                                          <p:val>
+                                            <p:strVal val="#ppt_x"/>
+                                          </p:val>
+                                        </p:tav>
+                                        <p:tav tm="100000">
+                                          <p:val>
+                                            <p:strVal val="#ppt_x"/>
+                                          </p:val>
+                                        </p:tav>
+                                      </p:tavLst>
+                                    </p:anim>
+                                    <p:anim calcmode="lin" valueType="num">
+                                      <p:cBhvr additive="base">
+                                        <p:cTn id="14" dur="500" fill="hold"/>
+                                        <p:tgtEl>
+                                          <p:spTgt spid="8">
+                                            <p:txEl>
+                                              <p:pRg st="1" end="1"/>
+                                            </p:txEl>
+                                          </p:spTgt>
+                                        </p:tgtEl>
+                                        <p:attrNameLst>
+                                          <p:attrName>ppt_y</p:attrName>
+                                        </p:attrNameLst>
+                                      </p:cBhvr>
+                                      <p:tavLst>
+                                        <p:tav tm="0">
+                                          <p:val>
+                                            <p:strVal val="1+#ppt_h/2"/>
+                                          </p:val>
+                                        </p:tav>
+                                        <p:tav tm="100000">
+                                          <p:val>
+                                            <p:strVal val="#ppt_y"/>
+                                          </p:val>
+                                        </p:tav>
+                                      </p:tavLst>
+                                    </p:anim>
+                                  </p:childTnLst>
+                                </p:cTn>
+                              </p:par>
+                            </p:childTnLst>
+                          </p:cTn>
+                        </p:par>
+                      </p:childTnLst>
+                    </p:cTn>
+                  </p:par>
+                  <p:par>
+                    <p:cTn id="15" fill="hold">
+                      <p:stCondLst>
+                        <p:cond delay="indefinite"/>
+                      </p:stCondLst>
+                      <p:childTnLst>
+                        <p:par>
+                          <p:cTn id="16" fill="hold">
+                            <p:stCondLst>
+                              <p:cond delay="0"/>
+                            </p:stCondLst>
+                            <p:childTnLst>
+                              <p:par>
+                                <p:cTn id="17" presetID="2" presetClass="entr" presetSubtype="4" fill="hold" grpId="0" nodeType="clickEffect">
+                                  <p:stCondLst>
+                                    <p:cond delay="0"/>
+                                  </p:stCondLst>
+                                  <p:childTnLst>
+                                    <p:set>
+                                      <p:cBhvr>
+                                        <p:cTn id="18" dur="1" fill="hold">
+                                          <p:stCondLst>
+                                            <p:cond delay="0"/>
+                                          </p:stCondLst>
+                                        </p:cTn>
+                                        <p:tgtEl>
+                                          <p:spTgt spid="8">
+                                            <p:txEl>
+                                              <p:pRg st="2" end="2"/>
+                                            </p:txEl>
+                                          </p:spTgt>
+                                        </p:tgtEl>
+                                        <p:attrNameLst>
+                                          <p:attrName>style.visibility</p:attrName>
+                                        </p:attrNameLst>
+                                      </p:cBhvr>
+                                      <p:to>
+                                        <p:strVal val="visible"/>
+                                      </p:to>
+                                    </p:set>
+                                    <p:anim calcmode="lin" valueType="num">
+                                      <p:cBhvr additive="base">
+                                        <p:cTn id="19" dur="500" fill="hold"/>
+                                        <p:tgtEl>
+                                          <p:spTgt spid="8">
+                                            <p:txEl>
+                                              <p:pRg st="2" end="2"/>
+                                            </p:txEl>
+                                          </p:spTgt>
+                                        </p:tgtEl>
+                                        <p:attrNameLst>
+                                          <p:attrName>ppt_x</p:attrName>
+                                        </p:attrNameLst>
+                                      </p:cBhvr>
+                                      <p:tavLst>
+                                        <p:tav tm="0">
+                                          <p:val>
+                                            <p:strVal val="#ppt_x"/>
+                                          </p:val>
+                                        </p:tav>
+                                        <p:tav tm="100000">
+                                          <p:val>
+                                            <p:strVal val="#ppt_x"/>
+                                          </p:val>
+                                        </p:tav>
+                                      </p:tavLst>
+                                    </p:anim>
+                                    <p:anim calcmode="lin" valueType="num">
+                                      <p:cBhvr additive="base">
+                                        <p:cTn id="20" dur="500" fill="hold"/>
+                                        <p:tgtEl>
+                                          <p:spTgt spid="8">
+                                            <p:txEl>
+                                              <p:pRg st="2" end="2"/>
+                                            </p:txEl>
+                                          </p:spTgt>
+                                        </p:tgtEl>
+                                        <p:attrNameLst>
+                                          <p:attrName>ppt_y</p:attrName>
+                                        </p:attrNameLst>
+                                      </p:cBhvr>
+                                      <p:tavLst>
+                                        <p:tav tm="0">
+                                          <p:val>
+                                            <p:strVal val="1+#ppt_h/2"/>
+                                          </p:val>
+                                        </p:tav>
+                                        <p:tav tm="100000">
+                                          <p:val>
+                                            <p:strVal val="#ppt_y"/>
+                                          </p:val>
+                                        </p:tav>
+                                      </p:tavLst>
+                                    </p:anim>
+                                  </p:childTnLst>
+                                </p:cTn>
+                              </p:par>
+                            </p:childTnLst>
+                          </p:cTn>
+                        </p:par>
+                      </p:childTnLst>
+                    </p:cTn>
+                  </p:par>
+                  <p:par>
+                    <p:cTn id="21" fill="hold">
+                      <p:stCondLst>
+                        <p:cond delay="indefinite"/>
+                      </p:stCondLst>
+                      <p:childTnLst>
+                        <p:par>
+                          <p:cTn id="22" fill="hold">
+                            <p:stCondLst>
+                              <p:cond delay="0"/>
+                            </p:stCondLst>
+                            <p:childTnLst>
+                              <p:par>
+                                <p:cTn id="23" presetID="2" presetClass="entr" presetSubtype="4" fill="hold" grpId="0" nodeType="clickEffect">
+                                  <p:stCondLst>
+                                    <p:cond delay="0"/>
+                                  </p:stCondLst>
+                                  <p:childTnLst>
+                                    <p:set>
+                                      <p:cBhvr>
+                                        <p:cTn id="24" dur="1" fill="hold">
+                                          <p:stCondLst>
+                                            <p:cond delay="0"/>
+                                          </p:stCondLst>
+                                        </p:cTn>
+                                        <p:tgtEl>
+                                          <p:spTgt spid="8">
+                                            <p:txEl>
+                                              <p:pRg st="3" end="3"/>
+                                            </p:txEl>
+                                          </p:spTgt>
+                                        </p:tgtEl>
+                                        <p:attrNameLst>
+                                          <p:attrName>style.visibility</p:attrName>
+                                        </p:attrNameLst>
+                                      </p:cBhvr>
+                                      <p:to>
+                                        <p:strVal val="visible"/>
+                                      </p:to>
+                                    </p:set>
+                                    <p:anim calcmode="lin" valueType="num">
+                                      <p:cBhvr additive="base">
+                                        <p:cTn id="25" dur="500" fill="hold"/>
+                                        <p:tgtEl>
+                                          <p:spTgt spid="8">
+                                            <p:txEl>
+                                              <p:pRg st="3" end="3"/>
+                                            </p:txEl>
+                                          </p:spTgt>
+                                        </p:tgtEl>
+                                        <p:attrNameLst>
+                                          <p:attrName>ppt_x</p:attrName>
+                                        </p:attrNameLst>
+                                      </p:cBhvr>
+                                      <p:tavLst>
+                                        <p:tav tm="0">
+                                          <p:val>
+                                            <p:strVal val="#ppt_x"/>
+                                          </p:val>
+                                        </p:tav>
+                                        <p:tav tm="100000">
+                                          <p:val>
+                                            <p:strVal val="#ppt_x"/>
+                                          </p:val>
+                                        </p:tav>
+                                      </p:tavLst>
+                                    </p:anim>
+                                    <p:anim calcmode="lin" valueType="num">
+                                      <p:cBhvr additive="base">
+                                        <p:cTn id="26" dur="500" fill="hold"/>
+                                        <p:tgtEl>
+                                          <p:spTgt spid="8">
+                                            <p:txEl>
+                                              <p:pRg st="3" end="3"/>
+                                            </p:txEl>
+                                          </p:spTgt>
+                                        </p:tgtEl>
+                                        <p:attrNameLst>
+                                          <p:attrName>ppt_y</p:attrName>
+                                        </p:attrNameLst>
+                                      </p:cBhvr>
+                                      <p:tavLst>
+                                        <p:tav tm="0">
+                                          <p:val>
+                                            <p:strVal val="1+#ppt_h/2"/>
+                                          </p:val>
+                                        </p:tav>
+                                        <p:tav tm="100000">
+                                          <p:val>
+                                            <p:strVal val="#ppt_y"/>
+                                          </p:val>
+                                        </p:tav>
+                                      </p:tavLst>
+                                    </p:anim>
+                                  </p:childTnLst>
+                                </p:cTn>
+                              </p:par>
+                            </p:childTnLst>
+                          </p:cTn>
+                        </p:par>
+                      </p:childTnLst>
+                    </p:cTn>
+                  </p:par>
+                </p:childTnLst>
+              </p:cTn>
+              <p:prevCondLst>
+                <p:cond evt="onPrev" delay="0">
+                  <p:tgtEl>
+                    <p:sldTgt/>
+                  </p:tgtEl>
+                </p:cond>
+              </p:prevCondLst>
+              <p:nextCondLst>
+                <p:cond evt="onNext" delay="0">
+                  <p:tgtEl>
+                    <p:sldTgt/>
+                  </p:tgtEl>
+                </p:cond>
+              </p:nextCondLst>
+            </p:seq>
+          </p:childTnLst>
+        </p:cTn>
+      </p:par>
+    </p:tnLst>
+    <p:bldLst>
+      <p:bldP spid="8" grpId="0" build="p"/>
+    </p:bldLst>
+  </p:timing>
 </p:sld>
 </file>
 
@@ -16622,7 +17523,7 @@
               <a:buSzPct val="130000"/>
             </a:pPr>
             <a:r>
-              <a:rPr lang="pt-BR" sz="3000">
+              <a:rPr lang="pt-BR" sz="3000" dirty="0">
                 <a:solidFill>
                   <a:schemeClr val="bg2">
                     <a:lumMod val="50000"/>
@@ -16644,7 +17545,7 @@
               <a:buSzPct val="130000"/>
             </a:pPr>
             <a:r>
-              <a:rPr lang="pt-BR" sz="3000">
+              <a:rPr lang="pt-BR" sz="3000" dirty="0">
                 <a:solidFill>
                   <a:schemeClr val="bg2">
                     <a:lumMod val="50000"/>
@@ -16666,7 +17567,7 @@
               <a:buSzPct val="130000"/>
             </a:pPr>
             <a:r>
-              <a:rPr lang="pt-BR" sz="3000">
+              <a:rPr lang="pt-BR" sz="3000" dirty="0">
                 <a:solidFill>
                   <a:schemeClr val="bg2">
                     <a:lumMod val="50000"/>
@@ -16688,7 +17589,7 @@
               <a:buSzPct val="130000"/>
             </a:pPr>
             <a:r>
-              <a:rPr lang="pt-BR" sz="3000">
+              <a:rPr lang="pt-BR" sz="3000" dirty="0">
                 <a:solidFill>
                   <a:schemeClr val="bg2">
                     <a:lumMod val="50000"/>
@@ -16711,6 +17612,451 @@
   <p:clrMapOvr>
     <a:masterClrMapping/>
   </p:clrMapOvr>
+  <p:timing>
+    <p:tnLst>
+      <p:par>
+        <p:cTn id="1" dur="indefinite" restart="never" nodeType="tmRoot">
+          <p:childTnLst>
+            <p:seq concurrent="1" nextAc="seek">
+              <p:cTn id="2" dur="indefinite" nodeType="mainSeq">
+                <p:childTnLst>
+                  <p:par>
+                    <p:cTn id="3" fill="hold">
+                      <p:stCondLst>
+                        <p:cond delay="indefinite"/>
+                      </p:stCondLst>
+                      <p:childTnLst>
+                        <p:par>
+                          <p:cTn id="4" fill="hold">
+                            <p:stCondLst>
+                              <p:cond delay="0"/>
+                            </p:stCondLst>
+                            <p:childTnLst>
+                              <p:par>
+                                <p:cTn id="5" presetID="2" presetClass="entr" presetSubtype="4" fill="hold" grpId="0" nodeType="clickEffect">
+                                  <p:stCondLst>
+                                    <p:cond delay="0"/>
+                                  </p:stCondLst>
+                                  <p:childTnLst>
+                                    <p:set>
+                                      <p:cBhvr>
+                                        <p:cTn id="6" dur="1" fill="hold">
+                                          <p:stCondLst>
+                                            <p:cond delay="0"/>
+                                          </p:stCondLst>
+                                        </p:cTn>
+                                        <p:tgtEl>
+                                          <p:spTgt spid="8">
+                                            <p:txEl>
+                                              <p:pRg st="0" end="0"/>
+                                            </p:txEl>
+                                          </p:spTgt>
+                                        </p:tgtEl>
+                                        <p:attrNameLst>
+                                          <p:attrName>style.visibility</p:attrName>
+                                        </p:attrNameLst>
+                                      </p:cBhvr>
+                                      <p:to>
+                                        <p:strVal val="visible"/>
+                                      </p:to>
+                                    </p:set>
+                                    <p:anim calcmode="lin" valueType="num">
+                                      <p:cBhvr additive="base">
+                                        <p:cTn id="7" dur="500" fill="hold"/>
+                                        <p:tgtEl>
+                                          <p:spTgt spid="8">
+                                            <p:txEl>
+                                              <p:pRg st="0" end="0"/>
+                                            </p:txEl>
+                                          </p:spTgt>
+                                        </p:tgtEl>
+                                        <p:attrNameLst>
+                                          <p:attrName>ppt_x</p:attrName>
+                                        </p:attrNameLst>
+                                      </p:cBhvr>
+                                      <p:tavLst>
+                                        <p:tav tm="0">
+                                          <p:val>
+                                            <p:strVal val="#ppt_x"/>
+                                          </p:val>
+                                        </p:tav>
+                                        <p:tav tm="100000">
+                                          <p:val>
+                                            <p:strVal val="#ppt_x"/>
+                                          </p:val>
+                                        </p:tav>
+                                      </p:tavLst>
+                                    </p:anim>
+                                    <p:anim calcmode="lin" valueType="num">
+                                      <p:cBhvr additive="base">
+                                        <p:cTn id="8" dur="500" fill="hold"/>
+                                        <p:tgtEl>
+                                          <p:spTgt spid="8">
+                                            <p:txEl>
+                                              <p:pRg st="0" end="0"/>
+                                            </p:txEl>
+                                          </p:spTgt>
+                                        </p:tgtEl>
+                                        <p:attrNameLst>
+                                          <p:attrName>ppt_y</p:attrName>
+                                        </p:attrNameLst>
+                                      </p:cBhvr>
+                                      <p:tavLst>
+                                        <p:tav tm="0">
+                                          <p:val>
+                                            <p:strVal val="1+#ppt_h/2"/>
+                                          </p:val>
+                                        </p:tav>
+                                        <p:tav tm="100000">
+                                          <p:val>
+                                            <p:strVal val="#ppt_y"/>
+                                          </p:val>
+                                        </p:tav>
+                                      </p:tavLst>
+                                    </p:anim>
+                                  </p:childTnLst>
+                                </p:cTn>
+                              </p:par>
+                            </p:childTnLst>
+                          </p:cTn>
+                        </p:par>
+                      </p:childTnLst>
+                    </p:cTn>
+                  </p:par>
+                  <p:par>
+                    <p:cTn id="9" fill="hold">
+                      <p:stCondLst>
+                        <p:cond delay="indefinite"/>
+                      </p:stCondLst>
+                      <p:childTnLst>
+                        <p:par>
+                          <p:cTn id="10" fill="hold">
+                            <p:stCondLst>
+                              <p:cond delay="0"/>
+                            </p:stCondLst>
+                            <p:childTnLst>
+                              <p:par>
+                                <p:cTn id="11" presetID="2" presetClass="entr" presetSubtype="4" fill="hold" grpId="0" nodeType="clickEffect">
+                                  <p:stCondLst>
+                                    <p:cond delay="0"/>
+                                  </p:stCondLst>
+                                  <p:childTnLst>
+                                    <p:set>
+                                      <p:cBhvr>
+                                        <p:cTn id="12" dur="1" fill="hold">
+                                          <p:stCondLst>
+                                            <p:cond delay="0"/>
+                                          </p:stCondLst>
+                                        </p:cTn>
+                                        <p:tgtEl>
+                                          <p:spTgt spid="8">
+                                            <p:txEl>
+                                              <p:pRg st="1" end="1"/>
+                                            </p:txEl>
+                                          </p:spTgt>
+                                        </p:tgtEl>
+                                        <p:attrNameLst>
+                                          <p:attrName>style.visibility</p:attrName>
+                                        </p:attrNameLst>
+                                      </p:cBhvr>
+                                      <p:to>
+                                        <p:strVal val="visible"/>
+                                      </p:to>
+                                    </p:set>
+                                    <p:anim calcmode="lin" valueType="num">
+                                      <p:cBhvr additive="base">
+                                        <p:cTn id="13" dur="500" fill="hold"/>
+                                        <p:tgtEl>
+                                          <p:spTgt spid="8">
+                                            <p:txEl>
+                                              <p:pRg st="1" end="1"/>
+                                            </p:txEl>
+                                          </p:spTgt>
+                                        </p:tgtEl>
+                                        <p:attrNameLst>
+                                          <p:attrName>ppt_x</p:attrName>
+                                        </p:attrNameLst>
+                                      </p:cBhvr>
+                                      <p:tavLst>
+                                        <p:tav tm="0">
+                                          <p:val>
+                                            <p:strVal val="#ppt_x"/>
+                                          </p:val>
+                                        </p:tav>
+                                        <p:tav tm="100000">
+                                          <p:val>
+                                            <p:strVal val="#ppt_x"/>
+                                          </p:val>
+                                        </p:tav>
+                                      </p:tavLst>
+                                    </p:anim>
+                                    <p:anim calcmode="lin" valueType="num">
+                                      <p:cBhvr additive="base">
+                                        <p:cTn id="14" dur="500" fill="hold"/>
+                                        <p:tgtEl>
+                                          <p:spTgt spid="8">
+                                            <p:txEl>
+                                              <p:pRg st="1" end="1"/>
+                                            </p:txEl>
+                                          </p:spTgt>
+                                        </p:tgtEl>
+                                        <p:attrNameLst>
+                                          <p:attrName>ppt_y</p:attrName>
+                                        </p:attrNameLst>
+                                      </p:cBhvr>
+                                      <p:tavLst>
+                                        <p:tav tm="0">
+                                          <p:val>
+                                            <p:strVal val="1+#ppt_h/2"/>
+                                          </p:val>
+                                        </p:tav>
+                                        <p:tav tm="100000">
+                                          <p:val>
+                                            <p:strVal val="#ppt_y"/>
+                                          </p:val>
+                                        </p:tav>
+                                      </p:tavLst>
+                                    </p:anim>
+                                  </p:childTnLst>
+                                </p:cTn>
+                              </p:par>
+                            </p:childTnLst>
+                          </p:cTn>
+                        </p:par>
+                      </p:childTnLst>
+                    </p:cTn>
+                  </p:par>
+                  <p:par>
+                    <p:cTn id="15" fill="hold">
+                      <p:stCondLst>
+                        <p:cond delay="indefinite"/>
+                      </p:stCondLst>
+                      <p:childTnLst>
+                        <p:par>
+                          <p:cTn id="16" fill="hold">
+                            <p:stCondLst>
+                              <p:cond delay="0"/>
+                            </p:stCondLst>
+                            <p:childTnLst>
+                              <p:par>
+                                <p:cTn id="17" presetID="2" presetClass="entr" presetSubtype="4" fill="hold" grpId="0" nodeType="clickEffect">
+                                  <p:stCondLst>
+                                    <p:cond delay="0"/>
+                                  </p:stCondLst>
+                                  <p:childTnLst>
+                                    <p:set>
+                                      <p:cBhvr>
+                                        <p:cTn id="18" dur="1" fill="hold">
+                                          <p:stCondLst>
+                                            <p:cond delay="0"/>
+                                          </p:stCondLst>
+                                        </p:cTn>
+                                        <p:tgtEl>
+                                          <p:spTgt spid="8">
+                                            <p:txEl>
+                                              <p:pRg st="2" end="2"/>
+                                            </p:txEl>
+                                          </p:spTgt>
+                                        </p:tgtEl>
+                                        <p:attrNameLst>
+                                          <p:attrName>style.visibility</p:attrName>
+                                        </p:attrNameLst>
+                                      </p:cBhvr>
+                                      <p:to>
+                                        <p:strVal val="visible"/>
+                                      </p:to>
+                                    </p:set>
+                                    <p:anim calcmode="lin" valueType="num">
+                                      <p:cBhvr additive="base">
+                                        <p:cTn id="19" dur="500" fill="hold"/>
+                                        <p:tgtEl>
+                                          <p:spTgt spid="8">
+                                            <p:txEl>
+                                              <p:pRg st="2" end="2"/>
+                                            </p:txEl>
+                                          </p:spTgt>
+                                        </p:tgtEl>
+                                        <p:attrNameLst>
+                                          <p:attrName>ppt_x</p:attrName>
+                                        </p:attrNameLst>
+                                      </p:cBhvr>
+                                      <p:tavLst>
+                                        <p:tav tm="0">
+                                          <p:val>
+                                            <p:strVal val="#ppt_x"/>
+                                          </p:val>
+                                        </p:tav>
+                                        <p:tav tm="100000">
+                                          <p:val>
+                                            <p:strVal val="#ppt_x"/>
+                                          </p:val>
+                                        </p:tav>
+                                      </p:tavLst>
+                                    </p:anim>
+                                    <p:anim calcmode="lin" valueType="num">
+                                      <p:cBhvr additive="base">
+                                        <p:cTn id="20" dur="500" fill="hold"/>
+                                        <p:tgtEl>
+                                          <p:spTgt spid="8">
+                                            <p:txEl>
+                                              <p:pRg st="2" end="2"/>
+                                            </p:txEl>
+                                          </p:spTgt>
+                                        </p:tgtEl>
+                                        <p:attrNameLst>
+                                          <p:attrName>ppt_y</p:attrName>
+                                        </p:attrNameLst>
+                                      </p:cBhvr>
+                                      <p:tavLst>
+                                        <p:tav tm="0">
+                                          <p:val>
+                                            <p:strVal val="1+#ppt_h/2"/>
+                                          </p:val>
+                                        </p:tav>
+                                        <p:tav tm="100000">
+                                          <p:val>
+                                            <p:strVal val="#ppt_y"/>
+                                          </p:val>
+                                        </p:tav>
+                                      </p:tavLst>
+                                    </p:anim>
+                                  </p:childTnLst>
+                                </p:cTn>
+                              </p:par>
+                            </p:childTnLst>
+                          </p:cTn>
+                        </p:par>
+                      </p:childTnLst>
+                    </p:cTn>
+                  </p:par>
+                  <p:par>
+                    <p:cTn id="21" fill="hold">
+                      <p:stCondLst>
+                        <p:cond delay="indefinite"/>
+                      </p:stCondLst>
+                      <p:childTnLst>
+                        <p:par>
+                          <p:cTn id="22" fill="hold">
+                            <p:stCondLst>
+                              <p:cond delay="0"/>
+                            </p:stCondLst>
+                            <p:childTnLst>
+                              <p:par>
+                                <p:cTn id="23" presetID="2" presetClass="entr" presetSubtype="4" fill="hold" grpId="0" nodeType="clickEffect">
+                                  <p:stCondLst>
+                                    <p:cond delay="0"/>
+                                  </p:stCondLst>
+                                  <p:childTnLst>
+                                    <p:set>
+                                      <p:cBhvr>
+                                        <p:cTn id="24" dur="1" fill="hold">
+                                          <p:stCondLst>
+                                            <p:cond delay="0"/>
+                                          </p:stCondLst>
+                                        </p:cTn>
+                                        <p:tgtEl>
+                                          <p:spTgt spid="8">
+                                            <p:txEl>
+                                              <p:pRg st="3" end="3"/>
+                                            </p:txEl>
+                                          </p:spTgt>
+                                        </p:tgtEl>
+                                        <p:attrNameLst>
+                                          <p:attrName>style.visibility</p:attrName>
+                                        </p:attrNameLst>
+                                      </p:cBhvr>
+                                      <p:to>
+                                        <p:strVal val="visible"/>
+                                      </p:to>
+                                    </p:set>
+                                    <p:anim calcmode="lin" valueType="num">
+                                      <p:cBhvr additive="base">
+                                        <p:cTn id="25" dur="500" fill="hold"/>
+                                        <p:tgtEl>
+                                          <p:spTgt spid="8">
+                                            <p:txEl>
+                                              <p:pRg st="3" end="3"/>
+                                            </p:txEl>
+                                          </p:spTgt>
+                                        </p:tgtEl>
+                                        <p:attrNameLst>
+                                          <p:attrName>ppt_x</p:attrName>
+                                        </p:attrNameLst>
+                                      </p:cBhvr>
+                                      <p:tavLst>
+                                        <p:tav tm="0">
+                                          <p:val>
+                                            <p:strVal val="#ppt_x"/>
+                                          </p:val>
+                                        </p:tav>
+                                        <p:tav tm="100000">
+                                          <p:val>
+                                            <p:strVal val="#ppt_x"/>
+                                          </p:val>
+                                        </p:tav>
+                                      </p:tavLst>
+                                    </p:anim>
+                                    <p:anim calcmode="lin" valueType="num">
+                                      <p:cBhvr additive="base">
+                                        <p:cTn id="26" dur="500" fill="hold"/>
+                                        <p:tgtEl>
+                                          <p:spTgt spid="8">
+                                            <p:txEl>
+                                              <p:pRg st="3" end="3"/>
+                                            </p:txEl>
+                                          </p:spTgt>
+                                        </p:tgtEl>
+                                        <p:attrNameLst>
+                                          <p:attrName>ppt_y</p:attrName>
+                                        </p:attrNameLst>
+                                      </p:cBhvr>
+                                      <p:tavLst>
+                                        <p:tav tm="0">
+                                          <p:val>
+                                            <p:strVal val="1+#ppt_h/2"/>
+                                          </p:val>
+                                        </p:tav>
+                                        <p:tav tm="100000">
+                                          <p:val>
+                                            <p:strVal val="#ppt_y"/>
+                                          </p:val>
+                                        </p:tav>
+                                      </p:tavLst>
+                                    </p:anim>
+                                  </p:childTnLst>
+                                </p:cTn>
+                              </p:par>
+                            </p:childTnLst>
+                          </p:cTn>
+                        </p:par>
+                      </p:childTnLst>
+                    </p:cTn>
+                  </p:par>
+                </p:childTnLst>
+              </p:cTn>
+              <p:prevCondLst>
+                <p:cond evt="onPrev" delay="0">
+                  <p:tgtEl>
+                    <p:sldTgt/>
+                  </p:tgtEl>
+                </p:cond>
+              </p:prevCondLst>
+              <p:nextCondLst>
+                <p:cond evt="onNext" delay="0">
+                  <p:tgtEl>
+                    <p:sldTgt/>
+                  </p:tgtEl>
+                </p:cond>
+              </p:nextCondLst>
+            </p:seq>
+          </p:childTnLst>
+        </p:cTn>
+      </p:par>
+    </p:tnLst>
+    <p:bldLst>
+      <p:bldP spid="8" grpId="0" build="p"/>
+    </p:bldLst>
+  </p:timing>
 </p:sld>
 </file>
 
@@ -16966,7 +18312,7 @@
               <a:buSzPct val="130000"/>
             </a:pPr>
             <a:r>
-              <a:rPr lang="pt-BR" sz="3000">
+              <a:rPr lang="pt-BR" sz="3000" dirty="0">
                 <a:solidFill>
                   <a:schemeClr val="bg2">
                     <a:lumMod val="50000"/>
@@ -16988,7 +18334,7 @@
               <a:buSzPct val="130000"/>
             </a:pPr>
             <a:r>
-              <a:rPr lang="pt-BR" sz="3000">
+              <a:rPr lang="pt-BR" sz="3000" dirty="0">
                 <a:solidFill>
                   <a:schemeClr val="bg2">
                     <a:lumMod val="50000"/>
@@ -17010,7 +18356,7 @@
               <a:buSzPct val="130000"/>
             </a:pPr>
             <a:r>
-              <a:rPr lang="pt-BR" sz="3000">
+              <a:rPr lang="pt-BR" sz="3000" dirty="0">
                 <a:solidFill>
                   <a:schemeClr val="bg2">
                     <a:lumMod val="50000"/>
@@ -17032,7 +18378,7 @@
               <a:buSzPct val="130000"/>
             </a:pPr>
             <a:r>
-              <a:rPr lang="pt-BR" sz="3000">
+              <a:rPr lang="pt-BR" sz="3000" dirty="0">
                 <a:solidFill>
                   <a:schemeClr val="bg2">
                     <a:lumMod val="50000"/>
@@ -17054,7 +18400,7 @@
               <a:buSzPct val="130000"/>
             </a:pPr>
             <a:r>
-              <a:rPr lang="pt-BR" sz="3000">
+              <a:rPr lang="pt-BR" sz="3000" dirty="0">
                 <a:solidFill>
                   <a:schemeClr val="bg2">
                     <a:lumMod val="50000"/>
@@ -17075,7 +18421,7 @@
               </a:buClr>
               <a:buSzPct val="130000"/>
             </a:pPr>
-            <a:endParaRPr lang="pt-BR" sz="3000">
+            <a:endParaRPr lang="pt-BR" sz="3000" dirty="0">
               <a:solidFill>
                 <a:schemeClr val="bg2">
                   <a:lumMod val="50000"/>
@@ -17126,6 +18472,554 @@
   <p:clrMapOvr>
     <a:masterClrMapping/>
   </p:clrMapOvr>
+  <p:timing>
+    <p:tnLst>
+      <p:par>
+        <p:cTn id="1" dur="indefinite" restart="never" nodeType="tmRoot">
+          <p:childTnLst>
+            <p:seq concurrent="1" nextAc="seek">
+              <p:cTn id="2" dur="indefinite" nodeType="mainSeq">
+                <p:childTnLst>
+                  <p:par>
+                    <p:cTn id="3" fill="hold">
+                      <p:stCondLst>
+                        <p:cond delay="indefinite"/>
+                      </p:stCondLst>
+                      <p:childTnLst>
+                        <p:par>
+                          <p:cTn id="4" fill="hold">
+                            <p:stCondLst>
+                              <p:cond delay="0"/>
+                            </p:stCondLst>
+                            <p:childTnLst>
+                              <p:par>
+                                <p:cTn id="5" presetID="2" presetClass="entr" presetSubtype="4" fill="hold" grpId="0" nodeType="clickEffect">
+                                  <p:stCondLst>
+                                    <p:cond delay="0"/>
+                                  </p:stCondLst>
+                                  <p:childTnLst>
+                                    <p:set>
+                                      <p:cBhvr>
+                                        <p:cTn id="6" dur="1" fill="hold">
+                                          <p:stCondLst>
+                                            <p:cond delay="0"/>
+                                          </p:stCondLst>
+                                        </p:cTn>
+                                        <p:tgtEl>
+                                          <p:spTgt spid="4">
+                                            <p:txEl>
+                                              <p:pRg st="0" end="0"/>
+                                            </p:txEl>
+                                          </p:spTgt>
+                                        </p:tgtEl>
+                                        <p:attrNameLst>
+                                          <p:attrName>style.visibility</p:attrName>
+                                        </p:attrNameLst>
+                                      </p:cBhvr>
+                                      <p:to>
+                                        <p:strVal val="visible"/>
+                                      </p:to>
+                                    </p:set>
+                                    <p:anim calcmode="lin" valueType="num">
+                                      <p:cBhvr additive="base">
+                                        <p:cTn id="7" dur="500" fill="hold"/>
+                                        <p:tgtEl>
+                                          <p:spTgt spid="4">
+                                            <p:txEl>
+                                              <p:pRg st="0" end="0"/>
+                                            </p:txEl>
+                                          </p:spTgt>
+                                        </p:tgtEl>
+                                        <p:attrNameLst>
+                                          <p:attrName>ppt_x</p:attrName>
+                                        </p:attrNameLst>
+                                      </p:cBhvr>
+                                      <p:tavLst>
+                                        <p:tav tm="0">
+                                          <p:val>
+                                            <p:strVal val="#ppt_x"/>
+                                          </p:val>
+                                        </p:tav>
+                                        <p:tav tm="100000">
+                                          <p:val>
+                                            <p:strVal val="#ppt_x"/>
+                                          </p:val>
+                                        </p:tav>
+                                      </p:tavLst>
+                                    </p:anim>
+                                    <p:anim calcmode="lin" valueType="num">
+                                      <p:cBhvr additive="base">
+                                        <p:cTn id="8" dur="500" fill="hold"/>
+                                        <p:tgtEl>
+                                          <p:spTgt spid="4">
+                                            <p:txEl>
+                                              <p:pRg st="0" end="0"/>
+                                            </p:txEl>
+                                          </p:spTgt>
+                                        </p:tgtEl>
+                                        <p:attrNameLst>
+                                          <p:attrName>ppt_y</p:attrName>
+                                        </p:attrNameLst>
+                                      </p:cBhvr>
+                                      <p:tavLst>
+                                        <p:tav tm="0">
+                                          <p:val>
+                                            <p:strVal val="1+#ppt_h/2"/>
+                                          </p:val>
+                                        </p:tav>
+                                        <p:tav tm="100000">
+                                          <p:val>
+                                            <p:strVal val="#ppt_y"/>
+                                          </p:val>
+                                        </p:tav>
+                                      </p:tavLst>
+                                    </p:anim>
+                                  </p:childTnLst>
+                                </p:cTn>
+                              </p:par>
+                            </p:childTnLst>
+                          </p:cTn>
+                        </p:par>
+                      </p:childTnLst>
+                    </p:cTn>
+                  </p:par>
+                  <p:par>
+                    <p:cTn id="9" fill="hold">
+                      <p:stCondLst>
+                        <p:cond delay="indefinite"/>
+                      </p:stCondLst>
+                      <p:childTnLst>
+                        <p:par>
+                          <p:cTn id="10" fill="hold">
+                            <p:stCondLst>
+                              <p:cond delay="0"/>
+                            </p:stCondLst>
+                            <p:childTnLst>
+                              <p:par>
+                                <p:cTn id="11" presetID="2" presetClass="entr" presetSubtype="4" fill="hold" grpId="0" nodeType="clickEffect">
+                                  <p:stCondLst>
+                                    <p:cond delay="0"/>
+                                  </p:stCondLst>
+                                  <p:childTnLst>
+                                    <p:set>
+                                      <p:cBhvr>
+                                        <p:cTn id="12" dur="1" fill="hold">
+                                          <p:stCondLst>
+                                            <p:cond delay="0"/>
+                                          </p:stCondLst>
+                                        </p:cTn>
+                                        <p:tgtEl>
+                                          <p:spTgt spid="4">
+                                            <p:txEl>
+                                              <p:pRg st="1" end="1"/>
+                                            </p:txEl>
+                                          </p:spTgt>
+                                        </p:tgtEl>
+                                        <p:attrNameLst>
+                                          <p:attrName>style.visibility</p:attrName>
+                                        </p:attrNameLst>
+                                      </p:cBhvr>
+                                      <p:to>
+                                        <p:strVal val="visible"/>
+                                      </p:to>
+                                    </p:set>
+                                    <p:anim calcmode="lin" valueType="num">
+                                      <p:cBhvr additive="base">
+                                        <p:cTn id="13" dur="500" fill="hold"/>
+                                        <p:tgtEl>
+                                          <p:spTgt spid="4">
+                                            <p:txEl>
+                                              <p:pRg st="1" end="1"/>
+                                            </p:txEl>
+                                          </p:spTgt>
+                                        </p:tgtEl>
+                                        <p:attrNameLst>
+                                          <p:attrName>ppt_x</p:attrName>
+                                        </p:attrNameLst>
+                                      </p:cBhvr>
+                                      <p:tavLst>
+                                        <p:tav tm="0">
+                                          <p:val>
+                                            <p:strVal val="#ppt_x"/>
+                                          </p:val>
+                                        </p:tav>
+                                        <p:tav tm="100000">
+                                          <p:val>
+                                            <p:strVal val="#ppt_x"/>
+                                          </p:val>
+                                        </p:tav>
+                                      </p:tavLst>
+                                    </p:anim>
+                                    <p:anim calcmode="lin" valueType="num">
+                                      <p:cBhvr additive="base">
+                                        <p:cTn id="14" dur="500" fill="hold"/>
+                                        <p:tgtEl>
+                                          <p:spTgt spid="4">
+                                            <p:txEl>
+                                              <p:pRg st="1" end="1"/>
+                                            </p:txEl>
+                                          </p:spTgt>
+                                        </p:tgtEl>
+                                        <p:attrNameLst>
+                                          <p:attrName>ppt_y</p:attrName>
+                                        </p:attrNameLst>
+                                      </p:cBhvr>
+                                      <p:tavLst>
+                                        <p:tav tm="0">
+                                          <p:val>
+                                            <p:strVal val="1+#ppt_h/2"/>
+                                          </p:val>
+                                        </p:tav>
+                                        <p:tav tm="100000">
+                                          <p:val>
+                                            <p:strVal val="#ppt_y"/>
+                                          </p:val>
+                                        </p:tav>
+                                      </p:tavLst>
+                                    </p:anim>
+                                  </p:childTnLst>
+                                </p:cTn>
+                              </p:par>
+                            </p:childTnLst>
+                          </p:cTn>
+                        </p:par>
+                      </p:childTnLst>
+                    </p:cTn>
+                  </p:par>
+                  <p:par>
+                    <p:cTn id="15" fill="hold">
+                      <p:stCondLst>
+                        <p:cond delay="indefinite"/>
+                      </p:stCondLst>
+                      <p:childTnLst>
+                        <p:par>
+                          <p:cTn id="16" fill="hold">
+                            <p:stCondLst>
+                              <p:cond delay="0"/>
+                            </p:stCondLst>
+                            <p:childTnLst>
+                              <p:par>
+                                <p:cTn id="17" presetID="2" presetClass="entr" presetSubtype="4" fill="hold" grpId="0" nodeType="clickEffect">
+                                  <p:stCondLst>
+                                    <p:cond delay="0"/>
+                                  </p:stCondLst>
+                                  <p:childTnLst>
+                                    <p:set>
+                                      <p:cBhvr>
+                                        <p:cTn id="18" dur="1" fill="hold">
+                                          <p:stCondLst>
+                                            <p:cond delay="0"/>
+                                          </p:stCondLst>
+                                        </p:cTn>
+                                        <p:tgtEl>
+                                          <p:spTgt spid="4">
+                                            <p:txEl>
+                                              <p:pRg st="2" end="2"/>
+                                            </p:txEl>
+                                          </p:spTgt>
+                                        </p:tgtEl>
+                                        <p:attrNameLst>
+                                          <p:attrName>style.visibility</p:attrName>
+                                        </p:attrNameLst>
+                                      </p:cBhvr>
+                                      <p:to>
+                                        <p:strVal val="visible"/>
+                                      </p:to>
+                                    </p:set>
+                                    <p:anim calcmode="lin" valueType="num">
+                                      <p:cBhvr additive="base">
+                                        <p:cTn id="19" dur="500" fill="hold"/>
+                                        <p:tgtEl>
+                                          <p:spTgt spid="4">
+                                            <p:txEl>
+                                              <p:pRg st="2" end="2"/>
+                                            </p:txEl>
+                                          </p:spTgt>
+                                        </p:tgtEl>
+                                        <p:attrNameLst>
+                                          <p:attrName>ppt_x</p:attrName>
+                                        </p:attrNameLst>
+                                      </p:cBhvr>
+                                      <p:tavLst>
+                                        <p:tav tm="0">
+                                          <p:val>
+                                            <p:strVal val="#ppt_x"/>
+                                          </p:val>
+                                        </p:tav>
+                                        <p:tav tm="100000">
+                                          <p:val>
+                                            <p:strVal val="#ppt_x"/>
+                                          </p:val>
+                                        </p:tav>
+                                      </p:tavLst>
+                                    </p:anim>
+                                    <p:anim calcmode="lin" valueType="num">
+                                      <p:cBhvr additive="base">
+                                        <p:cTn id="20" dur="500" fill="hold"/>
+                                        <p:tgtEl>
+                                          <p:spTgt spid="4">
+                                            <p:txEl>
+                                              <p:pRg st="2" end="2"/>
+                                            </p:txEl>
+                                          </p:spTgt>
+                                        </p:tgtEl>
+                                        <p:attrNameLst>
+                                          <p:attrName>ppt_y</p:attrName>
+                                        </p:attrNameLst>
+                                      </p:cBhvr>
+                                      <p:tavLst>
+                                        <p:tav tm="0">
+                                          <p:val>
+                                            <p:strVal val="1+#ppt_h/2"/>
+                                          </p:val>
+                                        </p:tav>
+                                        <p:tav tm="100000">
+                                          <p:val>
+                                            <p:strVal val="#ppt_y"/>
+                                          </p:val>
+                                        </p:tav>
+                                      </p:tavLst>
+                                    </p:anim>
+                                  </p:childTnLst>
+                                </p:cTn>
+                              </p:par>
+                            </p:childTnLst>
+                          </p:cTn>
+                        </p:par>
+                      </p:childTnLst>
+                    </p:cTn>
+                  </p:par>
+                  <p:par>
+                    <p:cTn id="21" fill="hold">
+                      <p:stCondLst>
+                        <p:cond delay="indefinite"/>
+                      </p:stCondLst>
+                      <p:childTnLst>
+                        <p:par>
+                          <p:cTn id="22" fill="hold">
+                            <p:stCondLst>
+                              <p:cond delay="0"/>
+                            </p:stCondLst>
+                            <p:childTnLst>
+                              <p:par>
+                                <p:cTn id="23" presetID="2" presetClass="entr" presetSubtype="4" fill="hold" grpId="0" nodeType="clickEffect">
+                                  <p:stCondLst>
+                                    <p:cond delay="0"/>
+                                  </p:stCondLst>
+                                  <p:childTnLst>
+                                    <p:set>
+                                      <p:cBhvr>
+                                        <p:cTn id="24" dur="1" fill="hold">
+                                          <p:stCondLst>
+                                            <p:cond delay="0"/>
+                                          </p:stCondLst>
+                                        </p:cTn>
+                                        <p:tgtEl>
+                                          <p:spTgt spid="4">
+                                            <p:txEl>
+                                              <p:pRg st="3" end="3"/>
+                                            </p:txEl>
+                                          </p:spTgt>
+                                        </p:tgtEl>
+                                        <p:attrNameLst>
+                                          <p:attrName>style.visibility</p:attrName>
+                                        </p:attrNameLst>
+                                      </p:cBhvr>
+                                      <p:to>
+                                        <p:strVal val="visible"/>
+                                      </p:to>
+                                    </p:set>
+                                    <p:anim calcmode="lin" valueType="num">
+                                      <p:cBhvr additive="base">
+                                        <p:cTn id="25" dur="500" fill="hold"/>
+                                        <p:tgtEl>
+                                          <p:spTgt spid="4">
+                                            <p:txEl>
+                                              <p:pRg st="3" end="3"/>
+                                            </p:txEl>
+                                          </p:spTgt>
+                                        </p:tgtEl>
+                                        <p:attrNameLst>
+                                          <p:attrName>ppt_x</p:attrName>
+                                        </p:attrNameLst>
+                                      </p:cBhvr>
+                                      <p:tavLst>
+                                        <p:tav tm="0">
+                                          <p:val>
+                                            <p:strVal val="#ppt_x"/>
+                                          </p:val>
+                                        </p:tav>
+                                        <p:tav tm="100000">
+                                          <p:val>
+                                            <p:strVal val="#ppt_x"/>
+                                          </p:val>
+                                        </p:tav>
+                                      </p:tavLst>
+                                    </p:anim>
+                                    <p:anim calcmode="lin" valueType="num">
+                                      <p:cBhvr additive="base">
+                                        <p:cTn id="26" dur="500" fill="hold"/>
+                                        <p:tgtEl>
+                                          <p:spTgt spid="4">
+                                            <p:txEl>
+                                              <p:pRg st="3" end="3"/>
+                                            </p:txEl>
+                                          </p:spTgt>
+                                        </p:tgtEl>
+                                        <p:attrNameLst>
+                                          <p:attrName>ppt_y</p:attrName>
+                                        </p:attrNameLst>
+                                      </p:cBhvr>
+                                      <p:tavLst>
+                                        <p:tav tm="0">
+                                          <p:val>
+                                            <p:strVal val="1+#ppt_h/2"/>
+                                          </p:val>
+                                        </p:tav>
+                                        <p:tav tm="100000">
+                                          <p:val>
+                                            <p:strVal val="#ppt_y"/>
+                                          </p:val>
+                                        </p:tav>
+                                      </p:tavLst>
+                                    </p:anim>
+                                  </p:childTnLst>
+                                </p:cTn>
+                              </p:par>
+                            </p:childTnLst>
+                          </p:cTn>
+                        </p:par>
+                      </p:childTnLst>
+                    </p:cTn>
+                  </p:par>
+                  <p:par>
+                    <p:cTn id="27" fill="hold">
+                      <p:stCondLst>
+                        <p:cond delay="indefinite"/>
+                      </p:stCondLst>
+                      <p:childTnLst>
+                        <p:par>
+                          <p:cTn id="28" fill="hold">
+                            <p:stCondLst>
+                              <p:cond delay="0"/>
+                            </p:stCondLst>
+                            <p:childTnLst>
+                              <p:par>
+                                <p:cTn id="29" presetID="2" presetClass="entr" presetSubtype="4" fill="hold" grpId="0" nodeType="clickEffect">
+                                  <p:stCondLst>
+                                    <p:cond delay="0"/>
+                                  </p:stCondLst>
+                                  <p:childTnLst>
+                                    <p:set>
+                                      <p:cBhvr>
+                                        <p:cTn id="30" dur="1" fill="hold">
+                                          <p:stCondLst>
+                                            <p:cond delay="0"/>
+                                          </p:stCondLst>
+                                        </p:cTn>
+                                        <p:tgtEl>
+                                          <p:spTgt spid="4">
+                                            <p:txEl>
+                                              <p:pRg st="4" end="4"/>
+                                            </p:txEl>
+                                          </p:spTgt>
+                                        </p:tgtEl>
+                                        <p:attrNameLst>
+                                          <p:attrName>style.visibility</p:attrName>
+                                        </p:attrNameLst>
+                                      </p:cBhvr>
+                                      <p:to>
+                                        <p:strVal val="visible"/>
+                                      </p:to>
+                                    </p:set>
+                                    <p:anim calcmode="lin" valueType="num">
+                                      <p:cBhvr additive="base">
+                                        <p:cTn id="31" dur="500" fill="hold"/>
+                                        <p:tgtEl>
+                                          <p:spTgt spid="4">
+                                            <p:txEl>
+                                              <p:pRg st="4" end="4"/>
+                                            </p:txEl>
+                                          </p:spTgt>
+                                        </p:tgtEl>
+                                        <p:attrNameLst>
+                                          <p:attrName>ppt_x</p:attrName>
+                                        </p:attrNameLst>
+                                      </p:cBhvr>
+                                      <p:tavLst>
+                                        <p:tav tm="0">
+                                          <p:val>
+                                            <p:strVal val="#ppt_x"/>
+                                          </p:val>
+                                        </p:tav>
+                                        <p:tav tm="100000">
+                                          <p:val>
+                                            <p:strVal val="#ppt_x"/>
+                                          </p:val>
+                                        </p:tav>
+                                      </p:tavLst>
+                                    </p:anim>
+                                    <p:anim calcmode="lin" valueType="num">
+                                      <p:cBhvr additive="base">
+                                        <p:cTn id="32" dur="500" fill="hold"/>
+                                        <p:tgtEl>
+                                          <p:spTgt spid="4">
+                                            <p:txEl>
+                                              <p:pRg st="4" end="4"/>
+                                            </p:txEl>
+                                          </p:spTgt>
+                                        </p:tgtEl>
+                                        <p:attrNameLst>
+                                          <p:attrName>ppt_y</p:attrName>
+                                        </p:attrNameLst>
+                                      </p:cBhvr>
+                                      <p:tavLst>
+                                        <p:tav tm="0">
+                                          <p:val>
+                                            <p:strVal val="1+#ppt_h/2"/>
+                                          </p:val>
+                                        </p:tav>
+                                        <p:tav tm="100000">
+                                          <p:val>
+                                            <p:strVal val="#ppt_y"/>
+                                          </p:val>
+                                        </p:tav>
+                                      </p:tavLst>
+                                    </p:anim>
+                                  </p:childTnLst>
+                                </p:cTn>
+                              </p:par>
+                            </p:childTnLst>
+                          </p:cTn>
+                        </p:par>
+                      </p:childTnLst>
+                    </p:cTn>
+                  </p:par>
+                </p:childTnLst>
+              </p:cTn>
+              <p:prevCondLst>
+                <p:cond evt="onPrev" delay="0">
+                  <p:tgtEl>
+                    <p:sldTgt/>
+                  </p:tgtEl>
+                </p:cond>
+              </p:prevCondLst>
+              <p:nextCondLst>
+                <p:cond evt="onNext" delay="0">
+                  <p:tgtEl>
+                    <p:sldTgt/>
+                  </p:tgtEl>
+                </p:cond>
+              </p:nextCondLst>
+            </p:seq>
+          </p:childTnLst>
+        </p:cTn>
+      </p:par>
+    </p:tnLst>
+    <p:bldLst>
+      <p:bldP spid="4" grpId="0" build="p" bldLvl="2"/>
+    </p:bldLst>
+  </p:timing>
 </p:sld>
 </file>
 
@@ -17381,7 +19275,7 @@
               <a:buSzPct val="130000"/>
             </a:pPr>
             <a:r>
-              <a:rPr lang="pt-BR" sz="3000">
+              <a:rPr lang="pt-BR" sz="3000" dirty="0">
                 <a:solidFill>
                   <a:schemeClr val="bg2">
                     <a:lumMod val="50000"/>
@@ -17403,7 +19297,7 @@
               <a:buSzPct val="130000"/>
             </a:pPr>
             <a:r>
-              <a:rPr lang="pt-BR" sz="3000">
+              <a:rPr lang="pt-BR" sz="3000" dirty="0">
                 <a:solidFill>
                   <a:schemeClr val="bg2">
                     <a:lumMod val="50000"/>
@@ -17425,7 +19319,7 @@
               <a:buSzPct val="130000"/>
             </a:pPr>
             <a:r>
-              <a:rPr lang="pt-BR" sz="3000">
+              <a:rPr lang="pt-BR" sz="3000" dirty="0">
                 <a:solidFill>
                   <a:schemeClr val="bg2">
                     <a:lumMod val="50000"/>
@@ -17446,7 +19340,7 @@
               </a:buClr>
               <a:buSzPct val="130000"/>
             </a:pPr>
-            <a:endParaRPr lang="pt-BR" sz="3000">
+            <a:endParaRPr lang="pt-BR" sz="3000" dirty="0">
               <a:solidFill>
                 <a:schemeClr val="bg2">
                   <a:lumMod val="50000"/>
@@ -17497,6 +19391,348 @@
   <p:clrMapOvr>
     <a:masterClrMapping/>
   </p:clrMapOvr>
+  <p:timing>
+    <p:tnLst>
+      <p:par>
+        <p:cTn id="1" dur="indefinite" restart="never" nodeType="tmRoot">
+          <p:childTnLst>
+            <p:seq concurrent="1" nextAc="seek">
+              <p:cTn id="2" dur="indefinite" nodeType="mainSeq">
+                <p:childTnLst>
+                  <p:par>
+                    <p:cTn id="3" fill="hold">
+                      <p:stCondLst>
+                        <p:cond delay="indefinite"/>
+                      </p:stCondLst>
+                      <p:childTnLst>
+                        <p:par>
+                          <p:cTn id="4" fill="hold">
+                            <p:stCondLst>
+                              <p:cond delay="0"/>
+                            </p:stCondLst>
+                            <p:childTnLst>
+                              <p:par>
+                                <p:cTn id="5" presetID="2" presetClass="entr" presetSubtype="4" fill="hold" grpId="0" nodeType="clickEffect">
+                                  <p:stCondLst>
+                                    <p:cond delay="0"/>
+                                  </p:stCondLst>
+                                  <p:childTnLst>
+                                    <p:set>
+                                      <p:cBhvr>
+                                        <p:cTn id="6" dur="1" fill="hold">
+                                          <p:stCondLst>
+                                            <p:cond delay="0"/>
+                                          </p:stCondLst>
+                                        </p:cTn>
+                                        <p:tgtEl>
+                                          <p:spTgt spid="4">
+                                            <p:txEl>
+                                              <p:pRg st="0" end="0"/>
+                                            </p:txEl>
+                                          </p:spTgt>
+                                        </p:tgtEl>
+                                        <p:attrNameLst>
+                                          <p:attrName>style.visibility</p:attrName>
+                                        </p:attrNameLst>
+                                      </p:cBhvr>
+                                      <p:to>
+                                        <p:strVal val="visible"/>
+                                      </p:to>
+                                    </p:set>
+                                    <p:anim calcmode="lin" valueType="num">
+                                      <p:cBhvr additive="base">
+                                        <p:cTn id="7" dur="500" fill="hold"/>
+                                        <p:tgtEl>
+                                          <p:spTgt spid="4">
+                                            <p:txEl>
+                                              <p:pRg st="0" end="0"/>
+                                            </p:txEl>
+                                          </p:spTgt>
+                                        </p:tgtEl>
+                                        <p:attrNameLst>
+                                          <p:attrName>ppt_x</p:attrName>
+                                        </p:attrNameLst>
+                                      </p:cBhvr>
+                                      <p:tavLst>
+                                        <p:tav tm="0">
+                                          <p:val>
+                                            <p:strVal val="#ppt_x"/>
+                                          </p:val>
+                                        </p:tav>
+                                        <p:tav tm="100000">
+                                          <p:val>
+                                            <p:strVal val="#ppt_x"/>
+                                          </p:val>
+                                        </p:tav>
+                                      </p:tavLst>
+                                    </p:anim>
+                                    <p:anim calcmode="lin" valueType="num">
+                                      <p:cBhvr additive="base">
+                                        <p:cTn id="8" dur="500" fill="hold"/>
+                                        <p:tgtEl>
+                                          <p:spTgt spid="4">
+                                            <p:txEl>
+                                              <p:pRg st="0" end="0"/>
+                                            </p:txEl>
+                                          </p:spTgt>
+                                        </p:tgtEl>
+                                        <p:attrNameLst>
+                                          <p:attrName>ppt_y</p:attrName>
+                                        </p:attrNameLst>
+                                      </p:cBhvr>
+                                      <p:tavLst>
+                                        <p:tav tm="0">
+                                          <p:val>
+                                            <p:strVal val="1+#ppt_h/2"/>
+                                          </p:val>
+                                        </p:tav>
+                                        <p:tav tm="100000">
+                                          <p:val>
+                                            <p:strVal val="#ppt_y"/>
+                                          </p:val>
+                                        </p:tav>
+                                      </p:tavLst>
+                                    </p:anim>
+                                  </p:childTnLst>
+                                </p:cTn>
+                              </p:par>
+                            </p:childTnLst>
+                          </p:cTn>
+                        </p:par>
+                      </p:childTnLst>
+                    </p:cTn>
+                  </p:par>
+                  <p:par>
+                    <p:cTn id="9" fill="hold">
+                      <p:stCondLst>
+                        <p:cond delay="indefinite"/>
+                      </p:stCondLst>
+                      <p:childTnLst>
+                        <p:par>
+                          <p:cTn id="10" fill="hold">
+                            <p:stCondLst>
+                              <p:cond delay="0"/>
+                            </p:stCondLst>
+                            <p:childTnLst>
+                              <p:par>
+                                <p:cTn id="11" presetID="2" presetClass="entr" presetSubtype="4" fill="hold" grpId="0" nodeType="clickEffect">
+                                  <p:stCondLst>
+                                    <p:cond delay="0"/>
+                                  </p:stCondLst>
+                                  <p:childTnLst>
+                                    <p:set>
+                                      <p:cBhvr>
+                                        <p:cTn id="12" dur="1" fill="hold">
+                                          <p:stCondLst>
+                                            <p:cond delay="0"/>
+                                          </p:stCondLst>
+                                        </p:cTn>
+                                        <p:tgtEl>
+                                          <p:spTgt spid="4">
+                                            <p:txEl>
+                                              <p:pRg st="1" end="1"/>
+                                            </p:txEl>
+                                          </p:spTgt>
+                                        </p:tgtEl>
+                                        <p:attrNameLst>
+                                          <p:attrName>style.visibility</p:attrName>
+                                        </p:attrNameLst>
+                                      </p:cBhvr>
+                                      <p:to>
+                                        <p:strVal val="visible"/>
+                                      </p:to>
+                                    </p:set>
+                                    <p:anim calcmode="lin" valueType="num">
+                                      <p:cBhvr additive="base">
+                                        <p:cTn id="13" dur="500" fill="hold"/>
+                                        <p:tgtEl>
+                                          <p:spTgt spid="4">
+                                            <p:txEl>
+                                              <p:pRg st="1" end="1"/>
+                                            </p:txEl>
+                                          </p:spTgt>
+                                        </p:tgtEl>
+                                        <p:attrNameLst>
+                                          <p:attrName>ppt_x</p:attrName>
+                                        </p:attrNameLst>
+                                      </p:cBhvr>
+                                      <p:tavLst>
+                                        <p:tav tm="0">
+                                          <p:val>
+                                            <p:strVal val="#ppt_x"/>
+                                          </p:val>
+                                        </p:tav>
+                                        <p:tav tm="100000">
+                                          <p:val>
+                                            <p:strVal val="#ppt_x"/>
+                                          </p:val>
+                                        </p:tav>
+                                      </p:tavLst>
+                                    </p:anim>
+                                    <p:anim calcmode="lin" valueType="num">
+                                      <p:cBhvr additive="base">
+                                        <p:cTn id="14" dur="500" fill="hold"/>
+                                        <p:tgtEl>
+                                          <p:spTgt spid="4">
+                                            <p:txEl>
+                                              <p:pRg st="1" end="1"/>
+                                            </p:txEl>
+                                          </p:spTgt>
+                                        </p:tgtEl>
+                                        <p:attrNameLst>
+                                          <p:attrName>ppt_y</p:attrName>
+                                        </p:attrNameLst>
+                                      </p:cBhvr>
+                                      <p:tavLst>
+                                        <p:tav tm="0">
+                                          <p:val>
+                                            <p:strVal val="1+#ppt_h/2"/>
+                                          </p:val>
+                                        </p:tav>
+                                        <p:tav tm="100000">
+                                          <p:val>
+                                            <p:strVal val="#ppt_y"/>
+                                          </p:val>
+                                        </p:tav>
+                                      </p:tavLst>
+                                    </p:anim>
+                                  </p:childTnLst>
+                                </p:cTn>
+                              </p:par>
+                            </p:childTnLst>
+                          </p:cTn>
+                        </p:par>
+                      </p:childTnLst>
+                    </p:cTn>
+                  </p:par>
+                  <p:par>
+                    <p:cTn id="15" fill="hold">
+                      <p:stCondLst>
+                        <p:cond delay="indefinite"/>
+                      </p:stCondLst>
+                      <p:childTnLst>
+                        <p:par>
+                          <p:cTn id="16" fill="hold">
+                            <p:stCondLst>
+                              <p:cond delay="0"/>
+                            </p:stCondLst>
+                            <p:childTnLst>
+                              <p:par>
+                                <p:cTn id="17" presetID="2" presetClass="entr" presetSubtype="4" fill="hold" grpId="0" nodeType="clickEffect">
+                                  <p:stCondLst>
+                                    <p:cond delay="0"/>
+                                  </p:stCondLst>
+                                  <p:childTnLst>
+                                    <p:set>
+                                      <p:cBhvr>
+                                        <p:cTn id="18" dur="1" fill="hold">
+                                          <p:stCondLst>
+                                            <p:cond delay="0"/>
+                                          </p:stCondLst>
+                                        </p:cTn>
+                                        <p:tgtEl>
+                                          <p:spTgt spid="4">
+                                            <p:txEl>
+                                              <p:pRg st="2" end="2"/>
+                                            </p:txEl>
+                                          </p:spTgt>
+                                        </p:tgtEl>
+                                        <p:attrNameLst>
+                                          <p:attrName>style.visibility</p:attrName>
+                                        </p:attrNameLst>
+                                      </p:cBhvr>
+                                      <p:to>
+                                        <p:strVal val="visible"/>
+                                      </p:to>
+                                    </p:set>
+                                    <p:anim calcmode="lin" valueType="num">
+                                      <p:cBhvr additive="base">
+                                        <p:cTn id="19" dur="500" fill="hold"/>
+                                        <p:tgtEl>
+                                          <p:spTgt spid="4">
+                                            <p:txEl>
+                                              <p:pRg st="2" end="2"/>
+                                            </p:txEl>
+                                          </p:spTgt>
+                                        </p:tgtEl>
+                                        <p:attrNameLst>
+                                          <p:attrName>ppt_x</p:attrName>
+                                        </p:attrNameLst>
+                                      </p:cBhvr>
+                                      <p:tavLst>
+                                        <p:tav tm="0">
+                                          <p:val>
+                                            <p:strVal val="#ppt_x"/>
+                                          </p:val>
+                                        </p:tav>
+                                        <p:tav tm="100000">
+                                          <p:val>
+                                            <p:strVal val="#ppt_x"/>
+                                          </p:val>
+                                        </p:tav>
+                                      </p:tavLst>
+                                    </p:anim>
+                                    <p:anim calcmode="lin" valueType="num">
+                                      <p:cBhvr additive="base">
+                                        <p:cTn id="20" dur="500" fill="hold"/>
+                                        <p:tgtEl>
+                                          <p:spTgt spid="4">
+                                            <p:txEl>
+                                              <p:pRg st="2" end="2"/>
+                                            </p:txEl>
+                                          </p:spTgt>
+                                        </p:tgtEl>
+                                        <p:attrNameLst>
+                                          <p:attrName>ppt_y</p:attrName>
+                                        </p:attrNameLst>
+                                      </p:cBhvr>
+                                      <p:tavLst>
+                                        <p:tav tm="0">
+                                          <p:val>
+                                            <p:strVal val="1+#ppt_h/2"/>
+                                          </p:val>
+                                        </p:tav>
+                                        <p:tav tm="100000">
+                                          <p:val>
+                                            <p:strVal val="#ppt_y"/>
+                                          </p:val>
+                                        </p:tav>
+                                      </p:tavLst>
+                                    </p:anim>
+                                  </p:childTnLst>
+                                </p:cTn>
+                              </p:par>
+                            </p:childTnLst>
+                          </p:cTn>
+                        </p:par>
+                      </p:childTnLst>
+                    </p:cTn>
+                  </p:par>
+                </p:childTnLst>
+              </p:cTn>
+              <p:prevCondLst>
+                <p:cond evt="onPrev" delay="0">
+                  <p:tgtEl>
+                    <p:sldTgt/>
+                  </p:tgtEl>
+                </p:cond>
+              </p:prevCondLst>
+              <p:nextCondLst>
+                <p:cond evt="onNext" delay="0">
+                  <p:tgtEl>
+                    <p:sldTgt/>
+                  </p:tgtEl>
+                </p:cond>
+              </p:nextCondLst>
+            </p:seq>
+          </p:childTnLst>
+        </p:cTn>
+      </p:par>
+    </p:tnLst>
+    <p:bldLst>
+      <p:bldP spid="4" grpId="0" build="p" bldLvl="2"/>
+    </p:bldLst>
+  </p:timing>
 </p:sld>
 </file>
 
@@ -17618,148 +19854,6 @@
   <p:clrMapOvr>
     <a:masterClrMapping/>
   </p:clrMapOvr>
-</p:sld>
-</file>
-
-<file path=ppt/slides/slide2.xml><?xml version="1.0" encoding="utf-8"?>
-<p:sld xmlns:a="http://schemas.openxmlformats.org/drawingml/2006/main" xmlns:r="http://schemas.openxmlformats.org/officeDocument/2006/relationships" xmlns:p="http://schemas.openxmlformats.org/presentationml/2006/main">
-  <p:cSld>
-    <p:spTree>
-      <p:nvGrpSpPr>
-        <p:cNvPr id="1" name=""/>
-        <p:cNvGrpSpPr/>
-        <p:nvPr/>
-      </p:nvGrpSpPr>
-      <p:grpSpPr>
-        <a:xfrm>
-          <a:off x="0" y="0"/>
-          <a:ext cx="0" cy="0"/>
-          <a:chOff x="0" y="0"/>
-          <a:chExt cx="0" cy="0"/>
-        </a:xfrm>
-      </p:grpSpPr>
-      <p:sp>
-        <p:nvSpPr>
-          <p:cNvPr id="2" name="Title 1">
-            <a:extLst>
-              <a:ext uri="{FF2B5EF4-FFF2-40B4-BE49-F238E27FC236}">
-                <a16:creationId xmlns:a16="http://schemas.microsoft.com/office/drawing/2014/main" id="{070F393E-2969-4D07-BCDB-EE0BDDDFD113}"/>
-              </a:ext>
-            </a:extLst>
-          </p:cNvPr>
-          <p:cNvSpPr>
-            <a:spLocks noGrp="1"/>
-          </p:cNvSpPr>
-          <p:nvPr>
-            <p:ph type="title"/>
-          </p:nvPr>
-        </p:nvSpPr>
-        <p:spPr>
-          <a:xfrm>
-            <a:off x="621062" y="609600"/>
-            <a:ext cx="8596668" cy="740898"/>
-          </a:xfrm>
-        </p:spPr>
-        <p:txBody>
-          <a:bodyPr>
-            <a:normAutofit/>
-          </a:bodyPr>
-          <a:lstStyle/>
-          <a:p>
-            <a:r>
-              <a:rPr lang="pt-BR" sz="4000">
-                <a:cs typeface="Calibri Light"/>
-              </a:rPr>
-              <a:t>Definição</a:t>
-            </a:r>
-            <a:endParaRPr lang="pt-BR" sz="4000"/>
-          </a:p>
-        </p:txBody>
-      </p:sp>
-      <p:sp>
-        <p:nvSpPr>
-          <p:cNvPr id="3" name="Content Placeholder 2">
-            <a:extLst>
-              <a:ext uri="{FF2B5EF4-FFF2-40B4-BE49-F238E27FC236}">
-                <a16:creationId xmlns:a16="http://schemas.microsoft.com/office/drawing/2014/main" id="{BA52FC24-C930-41B6-9DD4-9D910907B13D}"/>
-              </a:ext>
-            </a:extLst>
-          </p:cNvPr>
-          <p:cNvSpPr>
-            <a:spLocks noGrp="1"/>
-          </p:cNvSpPr>
-          <p:nvPr>
-            <p:ph idx="1"/>
-          </p:nvPr>
-        </p:nvSpPr>
-        <p:spPr>
-          <a:xfrm>
-            <a:off x="613116" y="1568450"/>
-            <a:ext cx="10515600" cy="1041400"/>
-          </a:xfrm>
-        </p:spPr>
-        <p:txBody>
-          <a:bodyPr vert="horz" lIns="91440" tIns="45720" rIns="91440" bIns="45720" rtlCol="0" anchor="t">
-            <a:normAutofit/>
-          </a:bodyPr>
-          <a:lstStyle/>
-          <a:p>
-            <a:r>
-              <a:rPr lang="pt-BR" sz="3000" dirty="0">
-                <a:ea typeface="+mn-lt"/>
-                <a:cs typeface="+mn-lt"/>
-              </a:rPr>
-              <a:t>Mais que uma técnica, mas um estado de mente</a:t>
-            </a:r>
-          </a:p>
-          <a:p>
-            <a:endParaRPr lang="pt-BR" sz="3000" dirty="0">
-              <a:ea typeface="+mn-lt"/>
-              <a:cs typeface="+mn-lt"/>
-            </a:endParaRPr>
-          </a:p>
-        </p:txBody>
-      </p:sp>
-      <p:pic>
-        <p:nvPicPr>
-          <p:cNvPr id="10" name="Picture 10">
-            <a:extLst>
-              <a:ext uri="{FF2B5EF4-FFF2-40B4-BE49-F238E27FC236}">
-                <a16:creationId xmlns:a16="http://schemas.microsoft.com/office/drawing/2014/main" id="{48FA186C-92B1-4D69-80F7-AE0C36D1C9EE}"/>
-              </a:ext>
-            </a:extLst>
-          </p:cNvPr>
-          <p:cNvPicPr>
-            <a:picLocks noChangeAspect="1"/>
-          </p:cNvPicPr>
-          <p:nvPr/>
-        </p:nvPicPr>
-        <p:blipFill>
-          <a:blip r:embed="rId3"/>
-          <a:stretch>
-            <a:fillRect/>
-          </a:stretch>
-        </p:blipFill>
-        <p:spPr>
-          <a:xfrm>
-            <a:off x="1248459" y="2609850"/>
-            <a:ext cx="7454417" cy="3693025"/>
-          </a:xfrm>
-          <a:prstGeom prst="rect">
-            <a:avLst/>
-          </a:prstGeom>
-        </p:spPr>
-      </p:pic>
-    </p:spTree>
-    <p:extLst>
-      <p:ext uri="{BB962C8B-B14F-4D97-AF65-F5344CB8AC3E}">
-        <p14:creationId xmlns:p14="http://schemas.microsoft.com/office/powerpoint/2010/main" val="181688273"/>
-      </p:ext>
-    </p:extLst>
-  </p:cSld>
-  <p:clrMapOvr>
-    <a:masterClrMapping/>
-  </p:clrMapOvr>
   <p:timing>
     <p:tnLst>
       <p:par>
@@ -17781,83 +19875,86 @@
                             </p:stCondLst>
                             <p:childTnLst>
                               <p:par>
-                                <p:cTn id="5" presetID="45" presetClass="entr" presetSubtype="0" fill="hold" nodeType="clickEffect">
+                                <p:cTn id="5" presetID="32" presetClass="emph" presetSubtype="0" fill="hold" nodeType="clickEffect">
                                   <p:stCondLst>
                                     <p:cond delay="0"/>
                                   </p:stCondLst>
                                   <p:childTnLst>
-                                    <p:set>
+                                    <p:animRot by="120000">
                                       <p:cBhvr>
-                                        <p:cTn id="6" dur="1" fill="hold">
+                                        <p:cTn id="6" dur="100" fill="hold">
                                           <p:stCondLst>
                                             <p:cond delay="0"/>
                                           </p:stCondLst>
                                         </p:cTn>
                                         <p:tgtEl>
-                                          <p:spTgt spid="10"/>
+                                          <p:spTgt spid="4"/>
                                         </p:tgtEl>
                                         <p:attrNameLst>
-                                          <p:attrName>style.visibility</p:attrName>
+                                          <p:attrName>r</p:attrName>
                                         </p:attrNameLst>
                                       </p:cBhvr>
-                                      <p:to>
-                                        <p:strVal val="visible"/>
-                                      </p:to>
-                                    </p:set>
-                                    <p:animEffect transition="in" filter="fade">
+                                    </p:animRot>
+                                    <p:animRot by="-240000">
                                       <p:cBhvr>
-                                        <p:cTn id="7" dur="2000"/>
+                                        <p:cTn id="7" dur="200" fill="hold">
+                                          <p:stCondLst>
+                                            <p:cond delay="200"/>
+                                          </p:stCondLst>
+                                        </p:cTn>
                                         <p:tgtEl>
-                                          <p:spTgt spid="10"/>
-                                        </p:tgtEl>
-                                      </p:cBhvr>
-                                    </p:animEffect>
-                                    <p:anim calcmode="lin" valueType="num">
-                                      <p:cBhvr>
-                                        <p:cTn id="8" dur="2000" fill="hold"/>
-                                        <p:tgtEl>
-                                          <p:spTgt spid="10"/>
+                                          <p:spTgt spid="4"/>
                                         </p:tgtEl>
                                         <p:attrNameLst>
-                                          <p:attrName>ppt_w</p:attrName>
+                                          <p:attrName>r</p:attrName>
                                         </p:attrNameLst>
                                       </p:cBhvr>
-                                      <p:tavLst>
-                                        <p:tav tm="0" fmla="#ppt_w*sin(2.5*pi*$)">
-                                          <p:val>
-                                            <p:fltVal val="0"/>
-                                          </p:val>
-                                        </p:tav>
-                                        <p:tav tm="100000">
-                                          <p:val>
-                                            <p:fltVal val="1"/>
-                                          </p:val>
-                                        </p:tav>
-                                      </p:tavLst>
-                                    </p:anim>
-                                    <p:anim calcmode="lin" valueType="num">
+                                    </p:animRot>
+                                    <p:animRot by="240000">
                                       <p:cBhvr>
-                                        <p:cTn id="9" dur="2000" fill="hold"/>
+                                        <p:cTn id="8" dur="200" fill="hold">
+                                          <p:stCondLst>
+                                            <p:cond delay="400"/>
+                                          </p:stCondLst>
+                                        </p:cTn>
                                         <p:tgtEl>
-                                          <p:spTgt spid="10"/>
+                                          <p:spTgt spid="4"/>
                                         </p:tgtEl>
                                         <p:attrNameLst>
-                                          <p:attrName>ppt_h</p:attrName>
+                                          <p:attrName>r</p:attrName>
                                         </p:attrNameLst>
                                       </p:cBhvr>
-                                      <p:tavLst>
-                                        <p:tav tm="0">
-                                          <p:val>
-                                            <p:strVal val="#ppt_h"/>
-                                          </p:val>
-                                        </p:tav>
-                                        <p:tav tm="100000">
-                                          <p:val>
-                                            <p:strVal val="#ppt_h"/>
-                                          </p:val>
-                                        </p:tav>
-                                      </p:tavLst>
-                                    </p:anim>
+                                    </p:animRot>
+                                    <p:animRot by="-240000">
+                                      <p:cBhvr>
+                                        <p:cTn id="9" dur="200" fill="hold">
+                                          <p:stCondLst>
+                                            <p:cond delay="600"/>
+                                          </p:stCondLst>
+                                        </p:cTn>
+                                        <p:tgtEl>
+                                          <p:spTgt spid="4"/>
+                                        </p:tgtEl>
+                                        <p:attrNameLst>
+                                          <p:attrName>r</p:attrName>
+                                        </p:attrNameLst>
+                                      </p:cBhvr>
+                                    </p:animRot>
+                                    <p:animRot by="120000">
+                                      <p:cBhvr>
+                                        <p:cTn id="10" dur="200" fill="hold">
+                                          <p:stCondLst>
+                                            <p:cond delay="800"/>
+                                          </p:stCondLst>
+                                        </p:cTn>
+                                        <p:tgtEl>
+                                          <p:spTgt spid="4"/>
+                                        </p:tgtEl>
+                                        <p:attrNameLst>
+                                          <p:attrName>r</p:attrName>
+                                        </p:attrNameLst>
+                                      </p:cBhvr>
+                                    </p:animRot>
                                   </p:childTnLst>
                                 </p:cTn>
                               </p:par>
@@ -17892,7 +19989,7 @@
 </p:sld>
 </file>
 
-<file path=ppt/slides/slide3.xml><?xml version="1.0" encoding="utf-8"?>
+<file path=ppt/slides/slide2.xml><?xml version="1.0" encoding="utf-8"?>
 <p:sld xmlns:a="http://schemas.openxmlformats.org/drawingml/2006/main" xmlns:r="http://schemas.openxmlformats.org/officeDocument/2006/relationships" xmlns:p="http://schemas.openxmlformats.org/presentationml/2006/main">
   <p:cSld>
     <p:spTree>
@@ -18433,6 +20530,277 @@
     <p:bldLst>
       <p:bldP spid="3" grpId="0" build="p"/>
     </p:bldLst>
+  </p:timing>
+</p:sld>
+</file>
+
+<file path=ppt/slides/slide3.xml><?xml version="1.0" encoding="utf-8"?>
+<p:sld xmlns:a="http://schemas.openxmlformats.org/drawingml/2006/main" xmlns:r="http://schemas.openxmlformats.org/officeDocument/2006/relationships" xmlns:p="http://schemas.openxmlformats.org/presentationml/2006/main">
+  <p:cSld>
+    <p:spTree>
+      <p:nvGrpSpPr>
+        <p:cNvPr id="1" name=""/>
+        <p:cNvGrpSpPr/>
+        <p:nvPr/>
+      </p:nvGrpSpPr>
+      <p:grpSpPr>
+        <a:xfrm>
+          <a:off x="0" y="0"/>
+          <a:ext cx="0" cy="0"/>
+          <a:chOff x="0" y="0"/>
+          <a:chExt cx="0" cy="0"/>
+        </a:xfrm>
+      </p:grpSpPr>
+      <p:sp>
+        <p:nvSpPr>
+          <p:cNvPr id="2" name="Title 1">
+            <a:extLst>
+              <a:ext uri="{FF2B5EF4-FFF2-40B4-BE49-F238E27FC236}">
+                <a16:creationId xmlns:a16="http://schemas.microsoft.com/office/drawing/2014/main" id="{070F393E-2969-4D07-BCDB-EE0BDDDFD113}"/>
+              </a:ext>
+            </a:extLst>
+          </p:cNvPr>
+          <p:cNvSpPr>
+            <a:spLocks noGrp="1"/>
+          </p:cNvSpPr>
+          <p:nvPr>
+            <p:ph type="title"/>
+          </p:nvPr>
+        </p:nvSpPr>
+        <p:spPr>
+          <a:xfrm>
+            <a:off x="621062" y="609600"/>
+            <a:ext cx="8596668" cy="740898"/>
+          </a:xfrm>
+        </p:spPr>
+        <p:txBody>
+          <a:bodyPr>
+            <a:normAutofit/>
+          </a:bodyPr>
+          <a:lstStyle/>
+          <a:p>
+            <a:r>
+              <a:rPr lang="pt-BR" sz="4000">
+                <a:cs typeface="Calibri Light"/>
+              </a:rPr>
+              <a:t>Definição</a:t>
+            </a:r>
+            <a:endParaRPr lang="pt-BR" sz="4000"/>
+          </a:p>
+        </p:txBody>
+      </p:sp>
+      <p:sp>
+        <p:nvSpPr>
+          <p:cNvPr id="3" name="Content Placeholder 2">
+            <a:extLst>
+              <a:ext uri="{FF2B5EF4-FFF2-40B4-BE49-F238E27FC236}">
+                <a16:creationId xmlns:a16="http://schemas.microsoft.com/office/drawing/2014/main" id="{BA52FC24-C930-41B6-9DD4-9D910907B13D}"/>
+              </a:ext>
+            </a:extLst>
+          </p:cNvPr>
+          <p:cNvSpPr>
+            <a:spLocks noGrp="1"/>
+          </p:cNvSpPr>
+          <p:nvPr>
+            <p:ph idx="1"/>
+          </p:nvPr>
+        </p:nvSpPr>
+        <p:spPr>
+          <a:xfrm>
+            <a:off x="613116" y="1568450"/>
+            <a:ext cx="10515600" cy="1041400"/>
+          </a:xfrm>
+        </p:spPr>
+        <p:txBody>
+          <a:bodyPr vert="horz" lIns="91440" tIns="45720" rIns="91440" bIns="45720" rtlCol="0" anchor="t">
+            <a:normAutofit/>
+          </a:bodyPr>
+          <a:lstStyle/>
+          <a:p>
+            <a:r>
+              <a:rPr lang="pt-BR" sz="3000" dirty="0">
+                <a:ea typeface="+mn-lt"/>
+                <a:cs typeface="+mn-lt"/>
+              </a:rPr>
+              <a:t>Mais que uma técnica, mas um estado de mente</a:t>
+            </a:r>
+          </a:p>
+          <a:p>
+            <a:endParaRPr lang="pt-BR" sz="3000" dirty="0">
+              <a:ea typeface="+mn-lt"/>
+              <a:cs typeface="+mn-lt"/>
+            </a:endParaRPr>
+          </a:p>
+        </p:txBody>
+      </p:sp>
+      <p:pic>
+        <p:nvPicPr>
+          <p:cNvPr id="10" name="Picture 10">
+            <a:extLst>
+              <a:ext uri="{FF2B5EF4-FFF2-40B4-BE49-F238E27FC236}">
+                <a16:creationId xmlns:a16="http://schemas.microsoft.com/office/drawing/2014/main" id="{48FA186C-92B1-4D69-80F7-AE0C36D1C9EE}"/>
+              </a:ext>
+            </a:extLst>
+          </p:cNvPr>
+          <p:cNvPicPr>
+            <a:picLocks noChangeAspect="1"/>
+          </p:cNvPicPr>
+          <p:nvPr/>
+        </p:nvPicPr>
+        <p:blipFill>
+          <a:blip r:embed="rId3"/>
+          <a:stretch>
+            <a:fillRect/>
+          </a:stretch>
+        </p:blipFill>
+        <p:spPr>
+          <a:xfrm>
+            <a:off x="1248459" y="2609850"/>
+            <a:ext cx="7454417" cy="3693025"/>
+          </a:xfrm>
+          <a:prstGeom prst="rect">
+            <a:avLst/>
+          </a:prstGeom>
+        </p:spPr>
+      </p:pic>
+    </p:spTree>
+    <p:extLst>
+      <p:ext uri="{BB962C8B-B14F-4D97-AF65-F5344CB8AC3E}">
+        <p14:creationId xmlns:p14="http://schemas.microsoft.com/office/powerpoint/2010/main" val="181688273"/>
+      </p:ext>
+    </p:extLst>
+  </p:cSld>
+  <p:clrMapOvr>
+    <a:masterClrMapping/>
+  </p:clrMapOvr>
+  <p:timing>
+    <p:tnLst>
+      <p:par>
+        <p:cTn id="1" dur="indefinite" restart="never" nodeType="tmRoot">
+          <p:childTnLst>
+            <p:seq concurrent="1" nextAc="seek">
+              <p:cTn id="2" dur="indefinite" nodeType="mainSeq">
+                <p:childTnLst>
+                  <p:par>
+                    <p:cTn id="3" fill="hold">
+                      <p:stCondLst>
+                        <p:cond delay="indefinite"/>
+                      </p:stCondLst>
+                      <p:childTnLst>
+                        <p:par>
+                          <p:cTn id="4" fill="hold">
+                            <p:stCondLst>
+                              <p:cond delay="0"/>
+                            </p:stCondLst>
+                            <p:childTnLst>
+                              <p:par>
+                                <p:cTn id="5" presetID="45" presetClass="entr" presetSubtype="0" fill="hold" nodeType="clickEffect">
+                                  <p:stCondLst>
+                                    <p:cond delay="0"/>
+                                  </p:stCondLst>
+                                  <p:childTnLst>
+                                    <p:set>
+                                      <p:cBhvr>
+                                        <p:cTn id="6" dur="1" fill="hold">
+                                          <p:stCondLst>
+                                            <p:cond delay="0"/>
+                                          </p:stCondLst>
+                                        </p:cTn>
+                                        <p:tgtEl>
+                                          <p:spTgt spid="10"/>
+                                        </p:tgtEl>
+                                        <p:attrNameLst>
+                                          <p:attrName>style.visibility</p:attrName>
+                                        </p:attrNameLst>
+                                      </p:cBhvr>
+                                      <p:to>
+                                        <p:strVal val="visible"/>
+                                      </p:to>
+                                    </p:set>
+                                    <p:animEffect transition="in" filter="fade">
+                                      <p:cBhvr>
+                                        <p:cTn id="7" dur="2000"/>
+                                        <p:tgtEl>
+                                          <p:spTgt spid="10"/>
+                                        </p:tgtEl>
+                                      </p:cBhvr>
+                                    </p:animEffect>
+                                    <p:anim calcmode="lin" valueType="num">
+                                      <p:cBhvr>
+                                        <p:cTn id="8" dur="2000" fill="hold"/>
+                                        <p:tgtEl>
+                                          <p:spTgt spid="10"/>
+                                        </p:tgtEl>
+                                        <p:attrNameLst>
+                                          <p:attrName>ppt_w</p:attrName>
+                                        </p:attrNameLst>
+                                      </p:cBhvr>
+                                      <p:tavLst>
+                                        <p:tav tm="0" fmla="#ppt_w*sin(2.5*pi*$)">
+                                          <p:val>
+                                            <p:fltVal val="0"/>
+                                          </p:val>
+                                        </p:tav>
+                                        <p:tav tm="100000">
+                                          <p:val>
+                                            <p:fltVal val="1"/>
+                                          </p:val>
+                                        </p:tav>
+                                      </p:tavLst>
+                                    </p:anim>
+                                    <p:anim calcmode="lin" valueType="num">
+                                      <p:cBhvr>
+                                        <p:cTn id="9" dur="2000" fill="hold"/>
+                                        <p:tgtEl>
+                                          <p:spTgt spid="10"/>
+                                        </p:tgtEl>
+                                        <p:attrNameLst>
+                                          <p:attrName>ppt_h</p:attrName>
+                                        </p:attrNameLst>
+                                      </p:cBhvr>
+                                      <p:tavLst>
+                                        <p:tav tm="0">
+                                          <p:val>
+                                            <p:strVal val="#ppt_h"/>
+                                          </p:val>
+                                        </p:tav>
+                                        <p:tav tm="100000">
+                                          <p:val>
+                                            <p:strVal val="#ppt_h"/>
+                                          </p:val>
+                                        </p:tav>
+                                      </p:tavLst>
+                                    </p:anim>
+                                  </p:childTnLst>
+                                </p:cTn>
+                              </p:par>
+                            </p:childTnLst>
+                          </p:cTn>
+                        </p:par>
+                      </p:childTnLst>
+                    </p:cTn>
+                  </p:par>
+                </p:childTnLst>
+              </p:cTn>
+              <p:prevCondLst>
+                <p:cond evt="onPrev" delay="0">
+                  <p:tgtEl>
+                    <p:sldTgt/>
+                  </p:tgtEl>
+                </p:cond>
+              </p:prevCondLst>
+              <p:nextCondLst>
+                <p:cond evt="onNext" delay="0">
+                  <p:tgtEl>
+                    <p:sldTgt/>
+                  </p:tgtEl>
+                </p:cond>
+              </p:nextCondLst>
+            </p:seq>
+          </p:childTnLst>
+        </p:cTn>
+      </p:par>
+    </p:tnLst>
   </p:timing>
 </p:sld>
 </file>
@@ -20135,15 +22503,33 @@
                                   </p:childTnLst>
                                 </p:cTn>
                               </p:par>
+                            </p:childTnLst>
+                          </p:cTn>
+                        </p:par>
+                      </p:childTnLst>
+                    </p:cTn>
+                  </p:par>
+                  <p:par>
+                    <p:cTn id="9" fill="hold">
+                      <p:stCondLst>
+                        <p:cond delay="indefinite"/>
+                      </p:stCondLst>
+                      <p:childTnLst>
+                        <p:par>
+                          <p:cTn id="10" fill="hold">
+                            <p:stCondLst>
+                              <p:cond delay="0"/>
+                            </p:stCondLst>
+                            <p:childTnLst>
                               <p:par>
-                                <p:cTn id="9" presetID="2" presetClass="entr" presetSubtype="4" fill="hold" grpId="0" nodeType="withEffect">
+                                <p:cTn id="11" presetID="2" presetClass="entr" presetSubtype="4" fill="hold" grpId="0" nodeType="clickEffect">
                                   <p:stCondLst>
                                     <p:cond delay="0"/>
                                   </p:stCondLst>
                                   <p:childTnLst>
                                     <p:set>
                                       <p:cBhvr>
-                                        <p:cTn id="10" dur="1" fill="hold">
+                                        <p:cTn id="12" dur="1" fill="hold">
                                           <p:stCondLst>
                                             <p:cond delay="0"/>
                                           </p:stCondLst>
@@ -20165,7 +22551,7 @@
                                     </p:set>
                                     <p:anim calcmode="lin" valueType="num">
                                       <p:cBhvr additive="base">
-                                        <p:cTn id="11" dur="500" fill="hold"/>
+                                        <p:cTn id="13" dur="500" fill="hold"/>
                                         <p:tgtEl>
                                           <p:spTgt spid="6">
                                             <p:txEl>
@@ -20192,7 +22578,7 @@
                                     </p:anim>
                                     <p:anim calcmode="lin" valueType="num">
                                       <p:cBhvr additive="base">
-                                        <p:cTn id="12" dur="500" fill="hold"/>
+                                        <p:cTn id="14" dur="500" fill="hold"/>
                                         <p:tgtEl>
                                           <p:spTgt spid="6">
                                             <p:txEl>
@@ -20220,15 +22606,33 @@
                                   </p:childTnLst>
                                 </p:cTn>
                               </p:par>
+                            </p:childTnLst>
+                          </p:cTn>
+                        </p:par>
+                      </p:childTnLst>
+                    </p:cTn>
+                  </p:par>
+                  <p:par>
+                    <p:cTn id="15" fill="hold">
+                      <p:stCondLst>
+                        <p:cond delay="indefinite"/>
+                      </p:stCondLst>
+                      <p:childTnLst>
+                        <p:par>
+                          <p:cTn id="16" fill="hold">
+                            <p:stCondLst>
+                              <p:cond delay="0"/>
+                            </p:stCondLst>
+                            <p:childTnLst>
                               <p:par>
-                                <p:cTn id="13" presetID="2" presetClass="entr" presetSubtype="4" fill="hold" grpId="0" nodeType="withEffect">
+                                <p:cTn id="17" presetID="2" presetClass="entr" presetSubtype="4" fill="hold" grpId="0" nodeType="clickEffect">
                                   <p:stCondLst>
                                     <p:cond delay="0"/>
                                   </p:stCondLst>
                                   <p:childTnLst>
                                     <p:set>
                                       <p:cBhvr>
-                                        <p:cTn id="14" dur="1" fill="hold">
+                                        <p:cTn id="18" dur="1" fill="hold">
                                           <p:stCondLst>
                                             <p:cond delay="0"/>
                                           </p:stCondLst>
@@ -20250,7 +22654,7 @@
                                     </p:set>
                                     <p:anim calcmode="lin" valueType="num">
                                       <p:cBhvr additive="base">
-                                        <p:cTn id="15" dur="500" fill="hold"/>
+                                        <p:cTn id="19" dur="500" fill="hold"/>
                                         <p:tgtEl>
                                           <p:spTgt spid="6">
                                             <p:txEl>
@@ -20277,7 +22681,7 @@
                                     </p:anim>
                                     <p:anim calcmode="lin" valueType="num">
                                       <p:cBhvr additive="base">
-                                        <p:cTn id="16" dur="500" fill="hold"/>
+                                        <p:cTn id="20" dur="500" fill="hold"/>
                                         <p:tgtEl>
                                           <p:spTgt spid="6">
                                             <p:txEl>
@@ -20305,15 +22709,33 @@
                                   </p:childTnLst>
                                 </p:cTn>
                               </p:par>
+                            </p:childTnLst>
+                          </p:cTn>
+                        </p:par>
+                      </p:childTnLst>
+                    </p:cTn>
+                  </p:par>
+                  <p:par>
+                    <p:cTn id="21" fill="hold">
+                      <p:stCondLst>
+                        <p:cond delay="indefinite"/>
+                      </p:stCondLst>
+                      <p:childTnLst>
+                        <p:par>
+                          <p:cTn id="22" fill="hold">
+                            <p:stCondLst>
+                              <p:cond delay="0"/>
+                            </p:stCondLst>
+                            <p:childTnLst>
                               <p:par>
-                                <p:cTn id="17" presetID="2" presetClass="entr" presetSubtype="4" fill="hold" grpId="0" nodeType="withEffect">
+                                <p:cTn id="23" presetID="2" presetClass="entr" presetSubtype="4" fill="hold" grpId="0" nodeType="clickEffect">
                                   <p:stCondLst>
                                     <p:cond delay="0"/>
                                   </p:stCondLst>
                                   <p:childTnLst>
                                     <p:set>
                                       <p:cBhvr>
-                                        <p:cTn id="18" dur="1" fill="hold">
+                                        <p:cTn id="24" dur="1" fill="hold">
                                           <p:stCondLst>
                                             <p:cond delay="0"/>
                                           </p:stCondLst>
@@ -20335,7 +22757,7 @@
                                     </p:set>
                                     <p:anim calcmode="lin" valueType="num">
                                       <p:cBhvr additive="base">
-                                        <p:cTn id="19" dur="500" fill="hold"/>
+                                        <p:cTn id="25" dur="500" fill="hold"/>
                                         <p:tgtEl>
                                           <p:spTgt spid="6">
                                             <p:txEl>
@@ -20362,7 +22784,7 @@
                                     </p:anim>
                                     <p:anim calcmode="lin" valueType="num">
                                       <p:cBhvr additive="base">
-                                        <p:cTn id="20" dur="500" fill="hold"/>
+                                        <p:cTn id="26" dur="500" fill="hold"/>
                                         <p:tgtEl>
                                           <p:spTgt spid="6">
                                             <p:txEl>
@@ -20390,15 +22812,33 @@
                                   </p:childTnLst>
                                 </p:cTn>
                               </p:par>
+                            </p:childTnLst>
+                          </p:cTn>
+                        </p:par>
+                      </p:childTnLst>
+                    </p:cTn>
+                  </p:par>
+                  <p:par>
+                    <p:cTn id="27" fill="hold">
+                      <p:stCondLst>
+                        <p:cond delay="indefinite"/>
+                      </p:stCondLst>
+                      <p:childTnLst>
+                        <p:par>
+                          <p:cTn id="28" fill="hold">
+                            <p:stCondLst>
+                              <p:cond delay="0"/>
+                            </p:stCondLst>
+                            <p:childTnLst>
                               <p:par>
-                                <p:cTn id="21" presetID="2" presetClass="entr" presetSubtype="4" fill="hold" grpId="0" nodeType="withEffect">
+                                <p:cTn id="29" presetID="2" presetClass="entr" presetSubtype="4" fill="hold" grpId="0" nodeType="clickEffect">
                                   <p:stCondLst>
                                     <p:cond delay="0"/>
                                   </p:stCondLst>
                                   <p:childTnLst>
                                     <p:set>
                                       <p:cBhvr>
-                                        <p:cTn id="22" dur="1" fill="hold">
+                                        <p:cTn id="30" dur="1" fill="hold">
                                           <p:stCondLst>
                                             <p:cond delay="0"/>
                                           </p:stCondLst>
@@ -20420,7 +22860,7 @@
                                     </p:set>
                                     <p:anim calcmode="lin" valueType="num">
                                       <p:cBhvr additive="base">
-                                        <p:cTn id="23" dur="500" fill="hold"/>
+                                        <p:cTn id="31" dur="500" fill="hold"/>
                                         <p:tgtEl>
                                           <p:spTgt spid="6">
                                             <p:txEl>
@@ -20447,7 +22887,7 @@
                                     </p:anim>
                                     <p:anim calcmode="lin" valueType="num">
                                       <p:cBhvr additive="base">
-                                        <p:cTn id="24" dur="500" fill="hold"/>
+                                        <p:cTn id="32" dur="500" fill="hold"/>
                                         <p:tgtEl>
                                           <p:spTgt spid="6">
                                             <p:txEl>
@@ -20503,7 +22943,7 @@
       </p:par>
     </p:tnLst>
     <p:bldLst>
-      <p:bldP spid="6" grpId="0" build="p"/>
+      <p:bldP spid="6" grpId="0" build="p" bldLvl="3"/>
     </p:bldLst>
   </p:timing>
 </p:sld>
@@ -20874,15 +23314,33 @@
                                   </p:childTnLst>
                                 </p:cTn>
                               </p:par>
+                            </p:childTnLst>
+                          </p:cTn>
+                        </p:par>
+                      </p:childTnLst>
+                    </p:cTn>
+                  </p:par>
+                  <p:par>
+                    <p:cTn id="9" fill="hold">
+                      <p:stCondLst>
+                        <p:cond delay="indefinite"/>
+                      </p:stCondLst>
+                      <p:childTnLst>
+                        <p:par>
+                          <p:cTn id="10" fill="hold">
+                            <p:stCondLst>
+                              <p:cond delay="0"/>
+                            </p:stCondLst>
+                            <p:childTnLst>
                               <p:par>
-                                <p:cTn id="9" presetID="2" presetClass="entr" presetSubtype="4" fill="hold" grpId="0" nodeType="withEffect">
+                                <p:cTn id="11" presetID="2" presetClass="entr" presetSubtype="4" fill="hold" grpId="0" nodeType="clickEffect">
                                   <p:stCondLst>
                                     <p:cond delay="0"/>
                                   </p:stCondLst>
                                   <p:childTnLst>
                                     <p:set>
                                       <p:cBhvr>
-                                        <p:cTn id="10" dur="1" fill="hold">
+                                        <p:cTn id="12" dur="1" fill="hold">
                                           <p:stCondLst>
                                             <p:cond delay="0"/>
                                           </p:stCondLst>
@@ -20904,7 +23362,7 @@
                                     </p:set>
                                     <p:anim calcmode="lin" valueType="num">
                                       <p:cBhvr additive="base">
-                                        <p:cTn id="11" dur="500" fill="hold"/>
+                                        <p:cTn id="13" dur="500" fill="hold"/>
                                         <p:tgtEl>
                                           <p:spTgt spid="6">
                                             <p:txEl>
@@ -20931,7 +23389,7 @@
                                     </p:anim>
                                     <p:anim calcmode="lin" valueType="num">
                                       <p:cBhvr additive="base">
-                                        <p:cTn id="12" dur="500" fill="hold"/>
+                                        <p:cTn id="14" dur="500" fill="hold"/>
                                         <p:tgtEl>
                                           <p:spTgt spid="6">
                                             <p:txEl>
@@ -20959,15 +23417,33 @@
                                   </p:childTnLst>
                                 </p:cTn>
                               </p:par>
+                            </p:childTnLst>
+                          </p:cTn>
+                        </p:par>
+                      </p:childTnLst>
+                    </p:cTn>
+                  </p:par>
+                  <p:par>
+                    <p:cTn id="15" fill="hold">
+                      <p:stCondLst>
+                        <p:cond delay="indefinite"/>
+                      </p:stCondLst>
+                      <p:childTnLst>
+                        <p:par>
+                          <p:cTn id="16" fill="hold">
+                            <p:stCondLst>
+                              <p:cond delay="0"/>
+                            </p:stCondLst>
+                            <p:childTnLst>
                               <p:par>
-                                <p:cTn id="13" presetID="2" presetClass="entr" presetSubtype="4" fill="hold" grpId="0" nodeType="withEffect">
+                                <p:cTn id="17" presetID="2" presetClass="entr" presetSubtype="4" fill="hold" grpId="0" nodeType="clickEffect">
                                   <p:stCondLst>
                                     <p:cond delay="0"/>
                                   </p:stCondLst>
                                   <p:childTnLst>
                                     <p:set>
                                       <p:cBhvr>
-                                        <p:cTn id="14" dur="1" fill="hold">
+                                        <p:cTn id="18" dur="1" fill="hold">
                                           <p:stCondLst>
                                             <p:cond delay="0"/>
                                           </p:stCondLst>
@@ -20989,7 +23465,7 @@
                                     </p:set>
                                     <p:anim calcmode="lin" valueType="num">
                                       <p:cBhvr additive="base">
-                                        <p:cTn id="15" dur="500" fill="hold"/>
+                                        <p:cTn id="19" dur="500" fill="hold"/>
                                         <p:tgtEl>
                                           <p:spTgt spid="6">
                                             <p:txEl>
@@ -21016,7 +23492,7 @@
                                     </p:anim>
                                     <p:anim calcmode="lin" valueType="num">
                                       <p:cBhvr additive="base">
-                                        <p:cTn id="16" dur="500" fill="hold"/>
+                                        <p:cTn id="20" dur="500" fill="hold"/>
                                         <p:tgtEl>
                                           <p:spTgt spid="6">
                                             <p:txEl>
@@ -21044,15 +23520,33 @@
                                   </p:childTnLst>
                                 </p:cTn>
                               </p:par>
+                            </p:childTnLst>
+                          </p:cTn>
+                        </p:par>
+                      </p:childTnLst>
+                    </p:cTn>
+                  </p:par>
+                  <p:par>
+                    <p:cTn id="21" fill="hold">
+                      <p:stCondLst>
+                        <p:cond delay="indefinite"/>
+                      </p:stCondLst>
+                      <p:childTnLst>
+                        <p:par>
+                          <p:cTn id="22" fill="hold">
+                            <p:stCondLst>
+                              <p:cond delay="0"/>
+                            </p:stCondLst>
+                            <p:childTnLst>
                               <p:par>
-                                <p:cTn id="17" presetID="2" presetClass="entr" presetSubtype="4" fill="hold" grpId="0" nodeType="withEffect">
+                                <p:cTn id="23" presetID="2" presetClass="entr" presetSubtype="4" fill="hold" grpId="0" nodeType="clickEffect">
                                   <p:stCondLst>
                                     <p:cond delay="0"/>
                                   </p:stCondLst>
                                   <p:childTnLst>
                                     <p:set>
                                       <p:cBhvr>
-                                        <p:cTn id="18" dur="1" fill="hold">
+                                        <p:cTn id="24" dur="1" fill="hold">
                                           <p:stCondLst>
                                             <p:cond delay="0"/>
                                           </p:stCondLst>
@@ -21074,7 +23568,7 @@
                                     </p:set>
                                     <p:anim calcmode="lin" valueType="num">
                                       <p:cBhvr additive="base">
-                                        <p:cTn id="19" dur="500" fill="hold"/>
+                                        <p:cTn id="25" dur="500" fill="hold"/>
                                         <p:tgtEl>
                                           <p:spTgt spid="6">
                                             <p:txEl>
@@ -21101,7 +23595,7 @@
                                     </p:anim>
                                     <p:anim calcmode="lin" valueType="num">
                                       <p:cBhvr additive="base">
-                                        <p:cTn id="20" dur="500" fill="hold"/>
+                                        <p:cTn id="26" dur="500" fill="hold"/>
                                         <p:tgtEl>
                                           <p:spTgt spid="6">
                                             <p:txEl>
@@ -21129,15 +23623,33 @@
                                   </p:childTnLst>
                                 </p:cTn>
                               </p:par>
+                            </p:childTnLst>
+                          </p:cTn>
+                        </p:par>
+                      </p:childTnLst>
+                    </p:cTn>
+                  </p:par>
+                  <p:par>
+                    <p:cTn id="27" fill="hold">
+                      <p:stCondLst>
+                        <p:cond delay="indefinite"/>
+                      </p:stCondLst>
+                      <p:childTnLst>
+                        <p:par>
+                          <p:cTn id="28" fill="hold">
+                            <p:stCondLst>
+                              <p:cond delay="0"/>
+                            </p:stCondLst>
+                            <p:childTnLst>
                               <p:par>
-                                <p:cTn id="21" presetID="2" presetClass="entr" presetSubtype="4" fill="hold" grpId="0" nodeType="withEffect">
+                                <p:cTn id="29" presetID="2" presetClass="entr" presetSubtype="4" fill="hold" grpId="0" nodeType="clickEffect">
                                   <p:stCondLst>
                                     <p:cond delay="0"/>
                                   </p:stCondLst>
                                   <p:childTnLst>
                                     <p:set>
                                       <p:cBhvr>
-                                        <p:cTn id="22" dur="1" fill="hold">
+                                        <p:cTn id="30" dur="1" fill="hold">
                                           <p:stCondLst>
                                             <p:cond delay="0"/>
                                           </p:stCondLst>
@@ -21159,7 +23671,7 @@
                                     </p:set>
                                     <p:anim calcmode="lin" valueType="num">
                                       <p:cBhvr additive="base">
-                                        <p:cTn id="23" dur="500" fill="hold"/>
+                                        <p:cTn id="31" dur="500" fill="hold"/>
                                         <p:tgtEl>
                                           <p:spTgt spid="6">
                                             <p:txEl>
@@ -21186,7 +23698,7 @@
                                     </p:anim>
                                     <p:anim calcmode="lin" valueType="num">
                                       <p:cBhvr additive="base">
-                                        <p:cTn id="24" dur="500" fill="hold"/>
+                                        <p:cTn id="32" dur="500" fill="hold"/>
                                         <p:tgtEl>
                                           <p:spTgt spid="6">
                                             <p:txEl>
@@ -21214,15 +23726,33 @@
                                   </p:childTnLst>
                                 </p:cTn>
                               </p:par>
+                            </p:childTnLst>
+                          </p:cTn>
+                        </p:par>
+                      </p:childTnLst>
+                    </p:cTn>
+                  </p:par>
+                  <p:par>
+                    <p:cTn id="33" fill="hold">
+                      <p:stCondLst>
+                        <p:cond delay="indefinite"/>
+                      </p:stCondLst>
+                      <p:childTnLst>
+                        <p:par>
+                          <p:cTn id="34" fill="hold">
+                            <p:stCondLst>
+                              <p:cond delay="0"/>
+                            </p:stCondLst>
+                            <p:childTnLst>
                               <p:par>
-                                <p:cTn id="25" presetID="2" presetClass="entr" presetSubtype="4" fill="hold" grpId="0" nodeType="withEffect">
+                                <p:cTn id="35" presetID="2" presetClass="entr" presetSubtype="4" fill="hold" grpId="0" nodeType="clickEffect">
                                   <p:stCondLst>
                                     <p:cond delay="0"/>
                                   </p:stCondLst>
                                   <p:childTnLst>
                                     <p:set>
                                       <p:cBhvr>
-                                        <p:cTn id="26" dur="1" fill="hold">
+                                        <p:cTn id="36" dur="1" fill="hold">
                                           <p:stCondLst>
                                             <p:cond delay="0"/>
                                           </p:stCondLst>
@@ -21244,7 +23774,7 @@
                                     </p:set>
                                     <p:anim calcmode="lin" valueType="num">
                                       <p:cBhvr additive="base">
-                                        <p:cTn id="27" dur="500" fill="hold"/>
+                                        <p:cTn id="37" dur="500" fill="hold"/>
                                         <p:tgtEl>
                                           <p:spTgt spid="6">
                                             <p:txEl>
@@ -21271,7 +23801,7 @@
                                     </p:anim>
                                     <p:anim calcmode="lin" valueType="num">
                                       <p:cBhvr additive="base">
-                                        <p:cTn id="28" dur="500" fill="hold"/>
+                                        <p:cTn id="38" dur="500" fill="hold"/>
                                         <p:tgtEl>
                                           <p:spTgt spid="6">
                                             <p:txEl>
@@ -21327,7 +23857,7 @@
       </p:par>
     </p:tnLst>
     <p:bldLst>
-      <p:bldP spid="6" grpId="0" build="p"/>
+      <p:bldP spid="6" grpId="0" build="p" bldLvl="3"/>
     </p:bldLst>
   </p:timing>
 </p:sld>
@@ -21385,7 +23915,7 @@
               <a:buChar char="•"/>
             </a:pPr>
             <a:r>
-              <a:rPr lang="pt-BR" sz="3000">
+              <a:rPr lang="pt-BR" sz="3000" dirty="0">
                 <a:cs typeface="Calibri" panose="020F0502020204030204"/>
               </a:rPr>
               <a:t>Fluxo</a:t>
@@ -21399,7 +23929,7 @@
               <a:buChar char="•"/>
             </a:pPr>
             <a:r>
-              <a:rPr lang="pt-BR" sz="3000">
+              <a:rPr lang="pt-BR" sz="3000" dirty="0">
                 <a:cs typeface="Calibri" panose="020F0502020204030204"/>
               </a:rPr>
               <a:t>Inicia com tarefas razoavelmente bem-definidas</a:t>
@@ -21413,13 +23943,13 @@
               <a:buChar char="•"/>
             </a:pPr>
             <a:r>
-              <a:rPr lang="pt-BR" sz="3000" err="1">
+              <a:rPr lang="pt-BR" sz="3000" dirty="0" err="1">
                 <a:cs typeface="Calibri" panose="020F0502020204030204"/>
               </a:rPr>
               <a:t>Micrometas</a:t>
             </a:r>
             <a:r>
-              <a:rPr lang="pt-BR" sz="3000">
+              <a:rPr lang="pt-BR" sz="3000" dirty="0">
                 <a:cs typeface="Calibri" panose="020F0502020204030204"/>
               </a:rPr>
               <a:t> acordadas</a:t>
@@ -21433,7 +23963,7 @@
               <a:buChar char="•"/>
             </a:pPr>
             <a:r>
-              <a:rPr lang="pt-BR" sz="3000">
+              <a:rPr lang="pt-BR" sz="3000" dirty="0">
                 <a:cs typeface="Calibri" panose="020F0502020204030204"/>
               </a:rPr>
               <a:t>Alternar papéis regularmente</a:t>
@@ -21559,6 +24089,451 @@
   <p:clrMapOvr>
     <a:masterClrMapping/>
   </p:clrMapOvr>
+  <p:timing>
+    <p:tnLst>
+      <p:par>
+        <p:cTn id="1" dur="indefinite" restart="never" nodeType="tmRoot">
+          <p:childTnLst>
+            <p:seq concurrent="1" nextAc="seek">
+              <p:cTn id="2" dur="indefinite" nodeType="mainSeq">
+                <p:childTnLst>
+                  <p:par>
+                    <p:cTn id="3" fill="hold">
+                      <p:stCondLst>
+                        <p:cond delay="indefinite"/>
+                      </p:stCondLst>
+                      <p:childTnLst>
+                        <p:par>
+                          <p:cTn id="4" fill="hold">
+                            <p:stCondLst>
+                              <p:cond delay="0"/>
+                            </p:stCondLst>
+                            <p:childTnLst>
+                              <p:par>
+                                <p:cTn id="5" presetID="2" presetClass="entr" presetSubtype="4" fill="hold" grpId="0" nodeType="clickEffect">
+                                  <p:stCondLst>
+                                    <p:cond delay="0"/>
+                                  </p:stCondLst>
+                                  <p:childTnLst>
+                                    <p:set>
+                                      <p:cBhvr>
+                                        <p:cTn id="6" dur="1" fill="hold">
+                                          <p:stCondLst>
+                                            <p:cond delay="0"/>
+                                          </p:stCondLst>
+                                        </p:cTn>
+                                        <p:tgtEl>
+                                          <p:spTgt spid="6">
+                                            <p:txEl>
+                                              <p:pRg st="0" end="0"/>
+                                            </p:txEl>
+                                          </p:spTgt>
+                                        </p:tgtEl>
+                                        <p:attrNameLst>
+                                          <p:attrName>style.visibility</p:attrName>
+                                        </p:attrNameLst>
+                                      </p:cBhvr>
+                                      <p:to>
+                                        <p:strVal val="visible"/>
+                                      </p:to>
+                                    </p:set>
+                                    <p:anim calcmode="lin" valueType="num">
+                                      <p:cBhvr additive="base">
+                                        <p:cTn id="7" dur="500" fill="hold"/>
+                                        <p:tgtEl>
+                                          <p:spTgt spid="6">
+                                            <p:txEl>
+                                              <p:pRg st="0" end="0"/>
+                                            </p:txEl>
+                                          </p:spTgt>
+                                        </p:tgtEl>
+                                        <p:attrNameLst>
+                                          <p:attrName>ppt_x</p:attrName>
+                                        </p:attrNameLst>
+                                      </p:cBhvr>
+                                      <p:tavLst>
+                                        <p:tav tm="0">
+                                          <p:val>
+                                            <p:strVal val="#ppt_x"/>
+                                          </p:val>
+                                        </p:tav>
+                                        <p:tav tm="100000">
+                                          <p:val>
+                                            <p:strVal val="#ppt_x"/>
+                                          </p:val>
+                                        </p:tav>
+                                      </p:tavLst>
+                                    </p:anim>
+                                    <p:anim calcmode="lin" valueType="num">
+                                      <p:cBhvr additive="base">
+                                        <p:cTn id="8" dur="500" fill="hold"/>
+                                        <p:tgtEl>
+                                          <p:spTgt spid="6">
+                                            <p:txEl>
+                                              <p:pRg st="0" end="0"/>
+                                            </p:txEl>
+                                          </p:spTgt>
+                                        </p:tgtEl>
+                                        <p:attrNameLst>
+                                          <p:attrName>ppt_y</p:attrName>
+                                        </p:attrNameLst>
+                                      </p:cBhvr>
+                                      <p:tavLst>
+                                        <p:tav tm="0">
+                                          <p:val>
+                                            <p:strVal val="1+#ppt_h/2"/>
+                                          </p:val>
+                                        </p:tav>
+                                        <p:tav tm="100000">
+                                          <p:val>
+                                            <p:strVal val="#ppt_y"/>
+                                          </p:val>
+                                        </p:tav>
+                                      </p:tavLst>
+                                    </p:anim>
+                                  </p:childTnLst>
+                                </p:cTn>
+                              </p:par>
+                            </p:childTnLst>
+                          </p:cTn>
+                        </p:par>
+                      </p:childTnLst>
+                    </p:cTn>
+                  </p:par>
+                  <p:par>
+                    <p:cTn id="9" fill="hold">
+                      <p:stCondLst>
+                        <p:cond delay="indefinite"/>
+                      </p:stCondLst>
+                      <p:childTnLst>
+                        <p:par>
+                          <p:cTn id="10" fill="hold">
+                            <p:stCondLst>
+                              <p:cond delay="0"/>
+                            </p:stCondLst>
+                            <p:childTnLst>
+                              <p:par>
+                                <p:cTn id="11" presetID="2" presetClass="entr" presetSubtype="4" fill="hold" grpId="0" nodeType="clickEffect">
+                                  <p:stCondLst>
+                                    <p:cond delay="0"/>
+                                  </p:stCondLst>
+                                  <p:childTnLst>
+                                    <p:set>
+                                      <p:cBhvr>
+                                        <p:cTn id="12" dur="1" fill="hold">
+                                          <p:stCondLst>
+                                            <p:cond delay="0"/>
+                                          </p:stCondLst>
+                                        </p:cTn>
+                                        <p:tgtEl>
+                                          <p:spTgt spid="6">
+                                            <p:txEl>
+                                              <p:pRg st="1" end="1"/>
+                                            </p:txEl>
+                                          </p:spTgt>
+                                        </p:tgtEl>
+                                        <p:attrNameLst>
+                                          <p:attrName>style.visibility</p:attrName>
+                                        </p:attrNameLst>
+                                      </p:cBhvr>
+                                      <p:to>
+                                        <p:strVal val="visible"/>
+                                      </p:to>
+                                    </p:set>
+                                    <p:anim calcmode="lin" valueType="num">
+                                      <p:cBhvr additive="base">
+                                        <p:cTn id="13" dur="500" fill="hold"/>
+                                        <p:tgtEl>
+                                          <p:spTgt spid="6">
+                                            <p:txEl>
+                                              <p:pRg st="1" end="1"/>
+                                            </p:txEl>
+                                          </p:spTgt>
+                                        </p:tgtEl>
+                                        <p:attrNameLst>
+                                          <p:attrName>ppt_x</p:attrName>
+                                        </p:attrNameLst>
+                                      </p:cBhvr>
+                                      <p:tavLst>
+                                        <p:tav tm="0">
+                                          <p:val>
+                                            <p:strVal val="#ppt_x"/>
+                                          </p:val>
+                                        </p:tav>
+                                        <p:tav tm="100000">
+                                          <p:val>
+                                            <p:strVal val="#ppt_x"/>
+                                          </p:val>
+                                        </p:tav>
+                                      </p:tavLst>
+                                    </p:anim>
+                                    <p:anim calcmode="lin" valueType="num">
+                                      <p:cBhvr additive="base">
+                                        <p:cTn id="14" dur="500" fill="hold"/>
+                                        <p:tgtEl>
+                                          <p:spTgt spid="6">
+                                            <p:txEl>
+                                              <p:pRg st="1" end="1"/>
+                                            </p:txEl>
+                                          </p:spTgt>
+                                        </p:tgtEl>
+                                        <p:attrNameLst>
+                                          <p:attrName>ppt_y</p:attrName>
+                                        </p:attrNameLst>
+                                      </p:cBhvr>
+                                      <p:tavLst>
+                                        <p:tav tm="0">
+                                          <p:val>
+                                            <p:strVal val="1+#ppt_h/2"/>
+                                          </p:val>
+                                        </p:tav>
+                                        <p:tav tm="100000">
+                                          <p:val>
+                                            <p:strVal val="#ppt_y"/>
+                                          </p:val>
+                                        </p:tav>
+                                      </p:tavLst>
+                                    </p:anim>
+                                  </p:childTnLst>
+                                </p:cTn>
+                              </p:par>
+                            </p:childTnLst>
+                          </p:cTn>
+                        </p:par>
+                      </p:childTnLst>
+                    </p:cTn>
+                  </p:par>
+                  <p:par>
+                    <p:cTn id="15" fill="hold">
+                      <p:stCondLst>
+                        <p:cond delay="indefinite"/>
+                      </p:stCondLst>
+                      <p:childTnLst>
+                        <p:par>
+                          <p:cTn id="16" fill="hold">
+                            <p:stCondLst>
+                              <p:cond delay="0"/>
+                            </p:stCondLst>
+                            <p:childTnLst>
+                              <p:par>
+                                <p:cTn id="17" presetID="2" presetClass="entr" presetSubtype="4" fill="hold" grpId="0" nodeType="clickEffect">
+                                  <p:stCondLst>
+                                    <p:cond delay="0"/>
+                                  </p:stCondLst>
+                                  <p:childTnLst>
+                                    <p:set>
+                                      <p:cBhvr>
+                                        <p:cTn id="18" dur="1" fill="hold">
+                                          <p:stCondLst>
+                                            <p:cond delay="0"/>
+                                          </p:stCondLst>
+                                        </p:cTn>
+                                        <p:tgtEl>
+                                          <p:spTgt spid="6">
+                                            <p:txEl>
+                                              <p:pRg st="2" end="2"/>
+                                            </p:txEl>
+                                          </p:spTgt>
+                                        </p:tgtEl>
+                                        <p:attrNameLst>
+                                          <p:attrName>style.visibility</p:attrName>
+                                        </p:attrNameLst>
+                                      </p:cBhvr>
+                                      <p:to>
+                                        <p:strVal val="visible"/>
+                                      </p:to>
+                                    </p:set>
+                                    <p:anim calcmode="lin" valueType="num">
+                                      <p:cBhvr additive="base">
+                                        <p:cTn id="19" dur="500" fill="hold"/>
+                                        <p:tgtEl>
+                                          <p:spTgt spid="6">
+                                            <p:txEl>
+                                              <p:pRg st="2" end="2"/>
+                                            </p:txEl>
+                                          </p:spTgt>
+                                        </p:tgtEl>
+                                        <p:attrNameLst>
+                                          <p:attrName>ppt_x</p:attrName>
+                                        </p:attrNameLst>
+                                      </p:cBhvr>
+                                      <p:tavLst>
+                                        <p:tav tm="0">
+                                          <p:val>
+                                            <p:strVal val="#ppt_x"/>
+                                          </p:val>
+                                        </p:tav>
+                                        <p:tav tm="100000">
+                                          <p:val>
+                                            <p:strVal val="#ppt_x"/>
+                                          </p:val>
+                                        </p:tav>
+                                      </p:tavLst>
+                                    </p:anim>
+                                    <p:anim calcmode="lin" valueType="num">
+                                      <p:cBhvr additive="base">
+                                        <p:cTn id="20" dur="500" fill="hold"/>
+                                        <p:tgtEl>
+                                          <p:spTgt spid="6">
+                                            <p:txEl>
+                                              <p:pRg st="2" end="2"/>
+                                            </p:txEl>
+                                          </p:spTgt>
+                                        </p:tgtEl>
+                                        <p:attrNameLst>
+                                          <p:attrName>ppt_y</p:attrName>
+                                        </p:attrNameLst>
+                                      </p:cBhvr>
+                                      <p:tavLst>
+                                        <p:tav tm="0">
+                                          <p:val>
+                                            <p:strVal val="1+#ppt_h/2"/>
+                                          </p:val>
+                                        </p:tav>
+                                        <p:tav tm="100000">
+                                          <p:val>
+                                            <p:strVal val="#ppt_y"/>
+                                          </p:val>
+                                        </p:tav>
+                                      </p:tavLst>
+                                    </p:anim>
+                                  </p:childTnLst>
+                                </p:cTn>
+                              </p:par>
+                            </p:childTnLst>
+                          </p:cTn>
+                        </p:par>
+                      </p:childTnLst>
+                    </p:cTn>
+                  </p:par>
+                  <p:par>
+                    <p:cTn id="21" fill="hold">
+                      <p:stCondLst>
+                        <p:cond delay="indefinite"/>
+                      </p:stCondLst>
+                      <p:childTnLst>
+                        <p:par>
+                          <p:cTn id="22" fill="hold">
+                            <p:stCondLst>
+                              <p:cond delay="0"/>
+                            </p:stCondLst>
+                            <p:childTnLst>
+                              <p:par>
+                                <p:cTn id="23" presetID="2" presetClass="entr" presetSubtype="4" fill="hold" grpId="0" nodeType="clickEffect">
+                                  <p:stCondLst>
+                                    <p:cond delay="0"/>
+                                  </p:stCondLst>
+                                  <p:childTnLst>
+                                    <p:set>
+                                      <p:cBhvr>
+                                        <p:cTn id="24" dur="1" fill="hold">
+                                          <p:stCondLst>
+                                            <p:cond delay="0"/>
+                                          </p:stCondLst>
+                                        </p:cTn>
+                                        <p:tgtEl>
+                                          <p:spTgt spid="6">
+                                            <p:txEl>
+                                              <p:pRg st="3" end="3"/>
+                                            </p:txEl>
+                                          </p:spTgt>
+                                        </p:tgtEl>
+                                        <p:attrNameLst>
+                                          <p:attrName>style.visibility</p:attrName>
+                                        </p:attrNameLst>
+                                      </p:cBhvr>
+                                      <p:to>
+                                        <p:strVal val="visible"/>
+                                      </p:to>
+                                    </p:set>
+                                    <p:anim calcmode="lin" valueType="num">
+                                      <p:cBhvr additive="base">
+                                        <p:cTn id="25" dur="500" fill="hold"/>
+                                        <p:tgtEl>
+                                          <p:spTgt spid="6">
+                                            <p:txEl>
+                                              <p:pRg st="3" end="3"/>
+                                            </p:txEl>
+                                          </p:spTgt>
+                                        </p:tgtEl>
+                                        <p:attrNameLst>
+                                          <p:attrName>ppt_x</p:attrName>
+                                        </p:attrNameLst>
+                                      </p:cBhvr>
+                                      <p:tavLst>
+                                        <p:tav tm="0">
+                                          <p:val>
+                                            <p:strVal val="#ppt_x"/>
+                                          </p:val>
+                                        </p:tav>
+                                        <p:tav tm="100000">
+                                          <p:val>
+                                            <p:strVal val="#ppt_x"/>
+                                          </p:val>
+                                        </p:tav>
+                                      </p:tavLst>
+                                    </p:anim>
+                                    <p:anim calcmode="lin" valueType="num">
+                                      <p:cBhvr additive="base">
+                                        <p:cTn id="26" dur="500" fill="hold"/>
+                                        <p:tgtEl>
+                                          <p:spTgt spid="6">
+                                            <p:txEl>
+                                              <p:pRg st="3" end="3"/>
+                                            </p:txEl>
+                                          </p:spTgt>
+                                        </p:tgtEl>
+                                        <p:attrNameLst>
+                                          <p:attrName>ppt_y</p:attrName>
+                                        </p:attrNameLst>
+                                      </p:cBhvr>
+                                      <p:tavLst>
+                                        <p:tav tm="0">
+                                          <p:val>
+                                            <p:strVal val="1+#ppt_h/2"/>
+                                          </p:val>
+                                        </p:tav>
+                                        <p:tav tm="100000">
+                                          <p:val>
+                                            <p:strVal val="#ppt_y"/>
+                                          </p:val>
+                                        </p:tav>
+                                      </p:tavLst>
+                                    </p:anim>
+                                  </p:childTnLst>
+                                </p:cTn>
+                              </p:par>
+                            </p:childTnLst>
+                          </p:cTn>
+                        </p:par>
+                      </p:childTnLst>
+                    </p:cTn>
+                  </p:par>
+                </p:childTnLst>
+              </p:cTn>
+              <p:prevCondLst>
+                <p:cond evt="onPrev" delay="0">
+                  <p:tgtEl>
+                    <p:sldTgt/>
+                  </p:tgtEl>
+                </p:cond>
+              </p:prevCondLst>
+              <p:nextCondLst>
+                <p:cond evt="onNext" delay="0">
+                  <p:tgtEl>
+                    <p:sldTgt/>
+                  </p:tgtEl>
+                </p:cond>
+              </p:nextCondLst>
+            </p:seq>
+          </p:childTnLst>
+        </p:cTn>
+      </p:par>
+    </p:tnLst>
+    <p:bldLst>
+      <p:bldP spid="6" grpId="0" build="p" bldLvl="3"/>
+    </p:bldLst>
+  </p:timing>
 </p:sld>
 </file>
 
@@ -22391,18 +25366,18 @@
 </file>
 
 <file path=customXml/item1.xml><?xml version="1.0" encoding="utf-8"?>
-<p:properties xmlns:p="http://schemas.microsoft.com/office/2006/metadata/properties" xmlns:xsi="http://www.w3.org/2001/XMLSchema-instance" xmlns:pc="http://schemas.microsoft.com/office/infopath/2007/PartnerControls">
-  <documentManagement/>
-</p:properties>
-</file>
-
-<file path=customXml/item2.xml><?xml version="1.0" encoding="utf-8"?>
 <?mso-contentType ?>
 <FormTemplates xmlns="http://schemas.microsoft.com/sharepoint/v3/contenttype/forms">
   <Display>DocumentLibraryForm</Display>
   <Edit>DocumentLibraryForm</Edit>
   <New>DocumentLibraryForm</New>
 </FormTemplates>
+</file>
+
+<file path=customXml/item2.xml><?xml version="1.0" encoding="utf-8"?>
+<p:properties xmlns:p="http://schemas.microsoft.com/office/2006/metadata/properties" xmlns:xsi="http://www.w3.org/2001/XMLSchema-instance" xmlns:pc="http://schemas.microsoft.com/office/infopath/2007/PartnerControls">
+  <documentManagement/>
+</p:properties>
 </file>
 
 <file path=customXml/item3.xml><?xml version="1.0" encoding="utf-8"?>
@@ -22629,6 +25604,14 @@
 </file>
 
 <file path=customXml/itemProps1.xml><?xml version="1.0" encoding="utf-8"?>
+<ds:datastoreItem xmlns:ds="http://schemas.openxmlformats.org/officeDocument/2006/customXml" ds:itemID="{D7143C17-E717-499D-ACC1-6BCBE13F5713}">
+  <ds:schemaRefs>
+    <ds:schemaRef ds:uri="http://schemas.microsoft.com/sharepoint/v3/contenttype/forms"/>
+  </ds:schemaRefs>
+</ds:datastoreItem>
+</file>
+
+<file path=customXml/itemProps2.xml><?xml version="1.0" encoding="utf-8"?>
 <ds:datastoreItem xmlns:ds="http://schemas.openxmlformats.org/officeDocument/2006/customXml" ds:itemID="{B457EB86-9879-4435-A32E-B6DBDEE9C47F}">
   <ds:schemaRefs>
     <ds:schemaRef ds:uri="475b6228-fb07-4bef-9ac0-385256fb2df3"/>
@@ -22641,14 +25624,6 @@
     <ds:schemaRef ds:uri="http://schemas.microsoft.com/office/infopath/2007/PartnerControls"/>
     <ds:schemaRef ds:uri="http://schemas.openxmlformats.org/package/2006/metadata/core-properties"/>
     <ds:schemaRef ds:uri="http://www.w3.org/XML/1998/namespace"/>
-  </ds:schemaRefs>
-</ds:datastoreItem>
-</file>
-
-<file path=customXml/itemProps2.xml><?xml version="1.0" encoding="utf-8"?>
-<ds:datastoreItem xmlns:ds="http://schemas.openxmlformats.org/officeDocument/2006/customXml" ds:itemID="{D7143C17-E717-499D-ACC1-6BCBE13F5713}">
-  <ds:schemaRefs>
-    <ds:schemaRef ds:uri="http://schemas.microsoft.com/sharepoint/v3/contenttype/forms"/>
   </ds:schemaRefs>
 </ds:datastoreItem>
 </file>
